--- a/Slides/Lesson 2.3 Examining More than One Value.pptx
+++ b/Slides/Lesson 2.3 Examining More than One Value.pptx
@@ -8,7 +8,7 @@
     <p:sldMasterId id="2147483692" r:id="rId4"/>
   </p:sldMasterIdLst>
   <p:notesMasterIdLst>
-    <p:notesMasterId r:id="rId28"/>
+    <p:notesMasterId r:id="rId27"/>
   </p:notesMasterIdLst>
   <p:sldIdLst>
     <p:sldId id="325" r:id="rId5"/>
@@ -32,13 +32,12 @@
     <p:sldId id="322" r:id="rId23"/>
     <p:sldId id="334" r:id="rId24"/>
     <p:sldId id="298" r:id="rId25"/>
-    <p:sldId id="275" r:id="rId26"/>
-    <p:sldId id="308" r:id="rId27"/>
+    <p:sldId id="308" r:id="rId26"/>
   </p:sldIdLst>
   <p:sldSz cx="9144000" cy="6858000" type="screen4x3"/>
   <p:notesSz cx="6858000" cy="9144000"/>
   <p:custDataLst>
-    <p:tags r:id="rId29"/>
+    <p:tags r:id="rId28"/>
   </p:custDataLst>
   <p:defaultTextStyle>
     <a:defPPr>
@@ -161,7 +160,6 @@
             <p14:sldId id="322"/>
             <p14:sldId id="334"/>
             <p14:sldId id="298"/>
-            <p14:sldId id="275"/>
             <p14:sldId id="308"/>
           </p14:sldIdLst>
         </p14:section>
@@ -4130,7 +4128,7 @@
             <a:fld id="{0FAC78B3-EDCE-4187-A1AE-28620314FA32}" type="datetimeFigureOut">
               <a:rPr lang="en-US" smtClean="0"/>
               <a:pPr/>
-              <a:t>7/25/2017</a:t>
+              <a:t>7/26/2017</a:t>
             </a:fld>
             <a:endParaRPr lang="en-US"/>
           </a:p>
@@ -4670,7 +4668,7 @@
           <a:p>
             <a:fld id="{AE36E179-9677-406E-90D9-3402BE92068A}" type="datetime1">
               <a:rPr lang="en-US" smtClean="0"/>
-              <a:t>7/25/2017</a:t>
+              <a:t>7/26/2017</a:t>
             </a:fld>
             <a:endParaRPr lang="en-US"/>
           </a:p>
@@ -4934,7 +4932,7 @@
           <a:p>
             <a:fld id="{9C106CB1-CEAE-4FA9-AC65-2E4B01C62B73}" type="datetime1">
               <a:rPr lang="en-US" smtClean="0"/>
-              <a:t>7/25/2017</a:t>
+              <a:t>7/26/2017</a:t>
             </a:fld>
             <a:endParaRPr lang="en-US"/>
           </a:p>
@@ -5114,7 +5112,7 @@
           <a:p>
             <a:fld id="{2D3DB8E0-41F1-4047-A2BB-3AF23AEFB7A8}" type="datetime1">
               <a:rPr lang="en-US" smtClean="0"/>
-              <a:t>7/25/2017</a:t>
+              <a:t>7/26/2017</a:t>
             </a:fld>
             <a:endParaRPr lang="en-US"/>
           </a:p>
@@ -5304,7 +5302,7 @@
           <a:p>
             <a:fld id="{2EDFADFF-E434-421D-BD26-7C347DAB516F}" type="datetime1">
               <a:rPr lang="en-US" smtClean="0"/>
-              <a:t>7/25/2017</a:t>
+              <a:t>7/26/2017</a:t>
             </a:fld>
             <a:endParaRPr lang="en-US"/>
           </a:p>
@@ -5567,7 +5565,7 @@
                 </a:solidFill>
               </a:rPr>
               <a:pPr/>
-              <a:t>7/25/2017</a:t>
+              <a:t>7/26/2017</a:t>
             </a:fld>
             <a:endParaRPr lang="en-US">
               <a:solidFill>
@@ -5773,7 +5771,7 @@
                 </a:solidFill>
               </a:rPr>
               <a:pPr/>
-              <a:t>7/25/2017</a:t>
+              <a:t>7/26/2017</a:t>
             </a:fld>
             <a:endParaRPr lang="en-US">
               <a:solidFill>
@@ -5978,7 +5976,7 @@
                 </a:solidFill>
               </a:rPr>
               <a:pPr/>
-              <a:t>7/25/2017</a:t>
+              <a:t>7/26/2017</a:t>
             </a:fld>
             <a:endParaRPr lang="en-US">
               <a:solidFill>
@@ -6275,7 +6273,7 @@
                 </a:solidFill>
               </a:rPr>
               <a:pPr/>
-              <a:t>7/25/2017</a:t>
+              <a:t>7/26/2017</a:t>
             </a:fld>
             <a:endParaRPr lang="en-US">
               <a:solidFill>
@@ -6483,7 +6481,7 @@
                 </a:solidFill>
               </a:rPr>
               <a:pPr/>
-              <a:t>7/25/2017</a:t>
+              <a:t>7/26/2017</a:t>
             </a:fld>
             <a:endParaRPr lang="en-US">
               <a:solidFill>
@@ -6809,7 +6807,7 @@
                 </a:solidFill>
               </a:rPr>
               <a:pPr/>
-              <a:t>7/25/2017</a:t>
+              <a:t>7/26/2017</a:t>
             </a:fld>
             <a:endParaRPr lang="en-US">
               <a:solidFill>
@@ -7126,7 +7124,7 @@
                 </a:solidFill>
               </a:rPr>
               <a:pPr/>
-              <a:t>7/25/2017</a:t>
+              <a:t>7/26/2017</a:t>
             </a:fld>
             <a:endParaRPr lang="en-US">
               <a:solidFill>
@@ -7339,7 +7337,7 @@
           <a:p>
             <a:fld id="{3B722677-7067-4D71-BF6A-8259C5E94357}" type="datetime1">
               <a:rPr lang="en-US" smtClean="0"/>
-              <a:t>7/25/2017</a:t>
+              <a:t>7/26/2017</a:t>
             </a:fld>
             <a:endParaRPr lang="en-US"/>
           </a:p>
@@ -7769,7 +7767,7 @@
                 </a:solidFill>
               </a:rPr>
               <a:pPr/>
-              <a:t>7/25/2017</a:t>
+              <a:t>7/26/2017</a:t>
             </a:fld>
             <a:endParaRPr lang="en-US">
               <a:solidFill>
@@ -7918,7 +7916,7 @@
                 </a:solidFill>
               </a:rPr>
               <a:pPr/>
-              <a:t>7/25/2017</a:t>
+              <a:t>7/26/2017</a:t>
             </a:fld>
             <a:endParaRPr lang="en-US">
               <a:solidFill>
@@ -8045,7 +8043,7 @@
                 </a:solidFill>
               </a:rPr>
               <a:pPr/>
-              <a:t>7/25/2017</a:t>
+              <a:t>7/26/2017</a:t>
             </a:fld>
             <a:endParaRPr lang="en-US">
               <a:solidFill>
@@ -8352,7 +8350,7 @@
                 </a:solidFill>
               </a:rPr>
               <a:pPr/>
-              <a:t>7/25/2017</a:t>
+              <a:t>7/26/2017</a:t>
             </a:fld>
             <a:endParaRPr lang="en-US">
               <a:solidFill>
@@ -8636,7 +8634,7 @@
                 </a:solidFill>
               </a:rPr>
               <a:pPr/>
-              <a:t>7/25/2017</a:t>
+              <a:t>7/26/2017</a:t>
             </a:fld>
             <a:endParaRPr lang="en-US">
               <a:solidFill>
@@ -8836,7 +8834,7 @@
                 </a:solidFill>
               </a:rPr>
               <a:pPr/>
-              <a:t>7/25/2017</a:t>
+              <a:t>7/26/2017</a:t>
             </a:fld>
             <a:endParaRPr lang="en-US">
               <a:solidFill>
@@ -9046,7 +9044,7 @@
                 </a:solidFill>
               </a:rPr>
               <a:pPr/>
-              <a:t>7/25/2017</a:t>
+              <a:t>7/26/2017</a:t>
             </a:fld>
             <a:endParaRPr lang="en-US">
               <a:solidFill>
@@ -9323,7 +9321,7 @@
           <a:p>
             <a:fld id="{2F1F79F5-7BEC-496A-AFC7-876E38F64D71}" type="datetime1">
               <a:rPr lang="en-US" smtClean="0"/>
-              <a:t>7/25/2017</a:t>
+              <a:t>7/26/2017</a:t>
             </a:fld>
             <a:endParaRPr lang="en-US"/>
           </a:p>
@@ -9497,7 +9495,7 @@
           <a:p>
             <a:fld id="{E22ED4DA-448D-4BB1-B935-CC112220207B}" type="datetime1">
               <a:rPr lang="en-US" smtClean="0"/>
-              <a:t>7/25/2017</a:t>
+              <a:t>7/26/2017</a:t>
             </a:fld>
             <a:endParaRPr lang="en-US"/>
           </a:p>
@@ -9670,7 +9668,7 @@
           <a:p>
             <a:fld id="{E22ED4DA-448D-4BB1-B935-CC112220207B}" type="datetime1">
               <a:rPr lang="en-US" smtClean="0"/>
-              <a:t>7/25/2017</a:t>
+              <a:t>7/26/2017</a:t>
             </a:fld>
             <a:endParaRPr lang="en-US"/>
           </a:p>
@@ -10086,7 +10084,7 @@
           <a:p>
             <a:fld id="{FF5D65A6-AB94-4435-B0B7-3743215FA46C}" type="datetime1">
               <a:rPr lang="en-US" smtClean="0"/>
-              <a:t>7/25/2017</a:t>
+              <a:t>7/26/2017</a:t>
             </a:fld>
             <a:endParaRPr lang="en-US"/>
           </a:p>
@@ -10262,7 +10260,7 @@
           <a:p>
             <a:fld id="{FF5D65A6-AB94-4435-B0B7-3743215FA46C}" type="datetime1">
               <a:rPr lang="en-US" smtClean="0"/>
-              <a:t>7/25/2017</a:t>
+              <a:t>7/26/2017</a:t>
             </a:fld>
             <a:endParaRPr lang="en-US"/>
           </a:p>
@@ -10556,7 +10554,7 @@
           <a:p>
             <a:fld id="{7C193DC4-6EF0-48C9-B29C-616106A645E1}" type="datetime1">
               <a:rPr lang="en-US" smtClean="0"/>
-              <a:t>7/25/2017</a:t>
+              <a:t>7/26/2017</a:t>
             </a:fld>
             <a:endParaRPr lang="en-US"/>
           </a:p>
@@ -10841,7 +10839,7 @@
           <a:p>
             <a:fld id="{5D1846AD-9252-4647-9435-4C2AC365653A}" type="datetime1">
               <a:rPr lang="en-US" smtClean="0"/>
-              <a:t>7/25/2017</a:t>
+              <a:t>7/26/2017</a:t>
             </a:fld>
             <a:endParaRPr lang="en-US"/>
           </a:p>
@@ -11260,7 +11258,7 @@
           <a:p>
             <a:fld id="{CE56DC10-3561-4063-A6AF-C1CC7A41040A}" type="datetime1">
               <a:rPr lang="en-US" smtClean="0"/>
-              <a:t>7/25/2017</a:t>
+              <a:t>7/26/2017</a:t>
             </a:fld>
             <a:endParaRPr lang="en-US"/>
           </a:p>
@@ -11377,7 +11375,7 @@
           <a:p>
             <a:fld id="{2F7B77F5-1464-4F6B-92A8-64FC8A508293}" type="datetime1">
               <a:rPr lang="en-US" smtClean="0"/>
-              <a:t>7/25/2017</a:t>
+              <a:t>7/26/2017</a:t>
             </a:fld>
             <a:endParaRPr lang="en-US"/>
           </a:p>
@@ -11472,7 +11470,7 @@
           <a:p>
             <a:fld id="{0A05703A-7669-4FEA-9056-25299B4D29D4}" type="datetime1">
               <a:rPr lang="en-US" smtClean="0"/>
-              <a:t>7/25/2017</a:t>
+              <a:t>7/26/2017</a:t>
             </a:fld>
             <a:endParaRPr lang="en-US"/>
           </a:p>
@@ -11747,7 +11745,7 @@
           <a:p>
             <a:fld id="{6E5077B5-BB57-49DB-88CA-226A139E5C01}" type="datetime1">
               <a:rPr lang="en-US" smtClean="0"/>
-              <a:t>7/25/2017</a:t>
+              <a:t>7/26/2017</a:t>
             </a:fld>
             <a:endParaRPr lang="en-US"/>
           </a:p>
@@ -11999,7 +11997,7 @@
           <a:p>
             <a:fld id="{C48D9447-CBD6-49A1-89FD-8512A8CF8999}" type="datetime1">
               <a:rPr lang="en-US" smtClean="0"/>
-              <a:t>7/25/2017</a:t>
+              <a:t>7/26/2017</a:t>
             </a:fld>
             <a:endParaRPr lang="en-US"/>
           </a:p>
@@ -12167,7 +12165,7 @@
           <a:p>
             <a:fld id="{A3639A2A-823D-48B7-9ACE-7FAF42870BA9}" type="datetime1">
               <a:rPr lang="en-US" smtClean="0"/>
-              <a:t>7/25/2017</a:t>
+              <a:t>7/26/2017</a:t>
             </a:fld>
             <a:endParaRPr lang="en-US"/>
           </a:p>
@@ -12420,7 +12418,7 @@
           <a:p>
             <a:fld id="{0C6FD516-C588-49F9-8A09-31EF43101ACE}" type="datetime1">
               <a:rPr lang="en-US" smtClean="0"/>
-              <a:t>7/25/2017</a:t>
+              <a:t>7/26/2017</a:t>
             </a:fld>
             <a:endParaRPr lang="en-US"/>
           </a:p>
@@ -12602,7 +12600,7 @@
           <a:p>
             <a:fld id="{ED1B6996-82E9-463C-972C-7B56056E426C}" type="datetime1">
               <a:rPr lang="en-US" smtClean="0"/>
-              <a:t>7/25/2017</a:t>
+              <a:t>7/26/2017</a:t>
             </a:fld>
             <a:endParaRPr lang="en-US"/>
           </a:p>
@@ -12842,7 +12840,7 @@
           <a:p>
             <a:fld id="{CA8B1E08-976E-451D-97C5-3D69BA983FFE}" type="datetime1">
               <a:rPr lang="en-US" smtClean="0"/>
-              <a:t>7/25/2017</a:t>
+              <a:t>7/26/2017</a:t>
             </a:fld>
             <a:endParaRPr lang="en-US" dirty="0"/>
           </a:p>
@@ -13023,7 +13021,7 @@
           <a:p>
             <a:fld id="{DC7A6930-E356-4864-92C1-40AC7A5201AA}" type="datetime1">
               <a:rPr lang="en-US" smtClean="0"/>
-              <a:t>7/25/2017</a:t>
+              <a:t>7/26/2017</a:t>
             </a:fld>
             <a:endParaRPr lang="en-US" dirty="0"/>
           </a:p>
@@ -13203,7 +13201,7 @@
           <a:p>
             <a:fld id="{45C1EE53-8F27-4821-8161-190499C0D007}" type="datetime1">
               <a:rPr lang="en-US" smtClean="0"/>
-              <a:t>7/25/2017</a:t>
+              <a:t>7/26/2017</a:t>
             </a:fld>
             <a:endParaRPr lang="en-US" dirty="0"/>
           </a:p>
@@ -13448,7 +13446,7 @@
           <a:p>
             <a:fld id="{0D423975-99FA-4807-B1B4-A59DEFED898A}" type="datetime1">
               <a:rPr lang="en-US" smtClean="0"/>
-              <a:t>7/25/2017</a:t>
+              <a:t>7/26/2017</a:t>
             </a:fld>
             <a:endParaRPr lang="en-US" dirty="0"/>
           </a:p>
@@ -13734,7 +13732,7 @@
           <a:p>
             <a:fld id="{90F7752F-4922-4BAA-9C20-D4DAF4ED08B5}" type="datetime1">
               <a:rPr lang="en-US" smtClean="0"/>
-              <a:t>7/25/2017</a:t>
+              <a:t>7/26/2017</a:t>
             </a:fld>
             <a:endParaRPr lang="en-US" dirty="0"/>
           </a:p>
@@ -14154,7 +14152,7 @@
           <a:p>
             <a:fld id="{3536A633-E76F-4E07-A3AE-A7A784889AE2}" type="datetime1">
               <a:rPr lang="en-US" smtClean="0"/>
-              <a:t>7/25/2017</a:t>
+              <a:t>7/26/2017</a:t>
             </a:fld>
             <a:endParaRPr lang="en-US" dirty="0"/>
           </a:p>
@@ -14272,7 +14270,7 @@
           <a:p>
             <a:fld id="{61CB5BDE-D72B-4A3A-925B-2A5C22F639AF}" type="datetime1">
               <a:rPr lang="en-US" smtClean="0"/>
-              <a:t>7/25/2017</a:t>
+              <a:t>7/26/2017</a:t>
             </a:fld>
             <a:endParaRPr lang="en-US" dirty="0"/>
           </a:p>
@@ -14368,7 +14366,7 @@
           <a:p>
             <a:fld id="{A24C7B69-131B-4374-A9CC-0845A85B9B89}" type="datetime1">
               <a:rPr lang="en-US" smtClean="0"/>
-              <a:t>7/25/2017</a:t>
+              <a:t>7/26/2017</a:t>
             </a:fld>
             <a:endParaRPr lang="en-US" dirty="0"/>
           </a:p>
@@ -14644,7 +14642,7 @@
           <a:p>
             <a:fld id="{2F57E60E-10B6-4F85-8F8E-D3A8141030E0}" type="datetime1">
               <a:rPr lang="en-US" smtClean="0"/>
-              <a:t>7/25/2017</a:t>
+              <a:t>7/26/2017</a:t>
             </a:fld>
             <a:endParaRPr lang="en-US" dirty="0"/>
           </a:p>
@@ -14938,7 +14936,7 @@
           <a:p>
             <a:fld id="{62847054-0C3A-4855-B827-AB022CCDB352}" type="datetime1">
               <a:rPr lang="en-US" smtClean="0"/>
-              <a:t>7/25/2017</a:t>
+              <a:t>7/26/2017</a:t>
             </a:fld>
             <a:endParaRPr lang="en-US"/>
           </a:p>
@@ -15194,7 +15192,7 @@
           <a:p>
             <a:fld id="{F33D5BC8-75F3-411B-AA7E-18F2517CF048}" type="datetime1">
               <a:rPr lang="en-US" smtClean="0"/>
-              <a:t>7/25/2017</a:t>
+              <a:t>7/26/2017</a:t>
             </a:fld>
             <a:endParaRPr lang="en-US" dirty="0"/>
           </a:p>
@@ -15363,7 +15361,7 @@
           <a:p>
             <a:fld id="{394448D4-AED6-43DB-A0F8-CD4938D2549C}" type="datetime1">
               <a:rPr lang="en-US" smtClean="0"/>
-              <a:t>7/25/2017</a:t>
+              <a:t>7/26/2017</a:t>
             </a:fld>
             <a:endParaRPr lang="en-US" dirty="0"/>
           </a:p>
@@ -15663,7 +15661,7 @@
           <a:p>
             <a:fld id="{5D1846AD-9252-4647-9435-4C2AC365653A}" type="datetime1">
               <a:rPr lang="en-US" smtClean="0"/>
-              <a:t>7/25/2017</a:t>
+              <a:t>7/26/2017</a:t>
             </a:fld>
             <a:endParaRPr lang="en-US"/>
           </a:p>
@@ -15841,7 +15839,7 @@
           <a:p>
             <a:fld id="{160CE893-3A38-428F-89AB-E97AD9CAA95E}" type="datetime1">
               <a:rPr lang="en-US" smtClean="0"/>
-              <a:t>7/25/2017</a:t>
+              <a:t>7/26/2017</a:t>
             </a:fld>
             <a:endParaRPr lang="en-US" dirty="0"/>
           </a:p>
@@ -16269,7 +16267,7 @@
           <a:p>
             <a:fld id="{787C7470-D2BA-4210-A881-18C149229110}" type="datetime1">
               <a:rPr lang="en-US" smtClean="0"/>
-              <a:t>7/25/2017</a:t>
+              <a:t>7/26/2017</a:t>
             </a:fld>
             <a:endParaRPr lang="en-US"/>
           </a:p>
@@ -16398,7 +16396,7 @@
           <a:p>
             <a:fld id="{8DEC73FD-A5ED-479F-9068-BAD5EB3F7E69}" type="datetime1">
               <a:rPr lang="en-US" smtClean="0"/>
-              <a:t>7/25/2017</a:t>
+              <a:t>7/26/2017</a:t>
             </a:fld>
             <a:endParaRPr lang="en-US"/>
           </a:p>
@@ -16505,7 +16503,7 @@
           <a:p>
             <a:fld id="{EA1BC252-941B-4451-B02D-F879104EB58F}" type="datetime1">
               <a:rPr lang="en-US" smtClean="0"/>
-              <a:t>7/25/2017</a:t>
+              <a:t>7/26/2017</a:t>
             </a:fld>
             <a:endParaRPr lang="en-US"/>
           </a:p>
@@ -16792,7 +16790,7 @@
           <a:p>
             <a:fld id="{43A8641F-9EDF-4983-849A-96C94386CBBC}" type="datetime1">
               <a:rPr lang="en-US" smtClean="0"/>
-              <a:t>7/25/2017</a:t>
+              <a:t>7/26/2017</a:t>
             </a:fld>
             <a:endParaRPr lang="en-US"/>
           </a:p>
@@ -17442,7 +17440,7 @@
                 </a:solidFill>
               </a:rPr>
               <a:pPr/>
-              <a:t>7/25/2017</a:t>
+              <a:t>7/26/2017</a:t>
             </a:fld>
             <a:endParaRPr lang="en-US">
               <a:solidFill>
@@ -17979,7 +17977,7 @@
           <a:p>
             <a:fld id="{02B3F677-983B-48DB-ADFD-63FE6CBC7FB2}" type="datetime1">
               <a:rPr lang="en-US" smtClean="0"/>
-              <a:t>7/25/2017</a:t>
+              <a:t>7/26/2017</a:t>
             </a:fld>
             <a:endParaRPr lang="en-US"/>
           </a:p>
@@ -18503,7 +18501,7 @@
           <a:p>
             <a:fld id="{8684A8BA-DEEC-47D2-87F9-8204232D7DB8}" type="datetime1">
               <a:rPr lang="en-US" smtClean="0"/>
-              <a:t>7/25/2017</a:t>
+              <a:t>7/26/2017</a:t>
             </a:fld>
             <a:endParaRPr lang="en-US" dirty="0"/>
           </a:p>
@@ -19342,7 +19340,6 @@
               <a:rPr lang="en-US" sz="1400" dirty="0"/>
               <a:t>       (ball-selected? b)))</a:t>
             </a:r>
-            <a:endParaRPr lang="en-US" sz="1400" dirty="0"/>
           </a:p>
         </p:txBody>
       </p:sp>
@@ -19448,7 +19445,6 @@
               <a:rPr lang="en-US" dirty="0"/>
               <a:t>Mouse events are reported with a location, consisting of two integers representing the x and y position of the event on the canvas.</a:t>
             </a:r>
-            <a:endParaRPr lang="en-US" dirty="0"/>
           </a:p>
         </p:txBody>
       </p:sp>
@@ -21771,11 +21767,14 @@
             <a:avLst/>
           </a:prstGeom>
           <a:solidFill>
-            <a:schemeClr val="accent1">
+            <a:schemeClr val="accent2">
               <a:lumMod val="20000"/>
               <a:lumOff val="80000"/>
             </a:schemeClr>
           </a:solidFill>
+          <a:ln>
+            <a:noFill/>
+          </a:ln>
         </p:spPr>
         <p:style>
           <a:lnRef idx="2">
@@ -22575,8 +22574,12 @@
           </a:lstStyle>
           <a:p>
             <a:r>
+              <a:rPr lang="en-US" b="1" dirty="0"/>
+              <a:t>circles-intersect? </a:t>
+            </a:r>
+            <a:r>
               <a:rPr lang="en-US" dirty="0"/>
-              <a:t>circles-intersect? knows about geometry.  It doesn't know about balls: </a:t>
+              <a:t>knows about geometry.  It doesn't know about balls: </a:t>
             </a:r>
             <a:r>
               <a:rPr lang="en-US" dirty="0" err="1"/>
@@ -22639,7 +22642,15 @@
           <a:p>
             <a:r>
               <a:rPr lang="en-US" dirty="0"/>
-              <a:t>If we changed the representation of balls, to add color, text, or to change the names of the fields, circles-intersect? wouldn't need to change.</a:t>
+              <a:t>If we changed the representation of balls, to add color, text, or to change the names of the fields, </a:t>
+            </a:r>
+            <a:r>
+              <a:rPr lang="en-US" b="1" dirty="0"/>
+              <a:t>circles-intersect? </a:t>
+            </a:r>
+            <a:r>
+              <a:rPr lang="en-US" dirty="0"/>
+              <a:t>wouldn't need to change.</a:t>
             </a:r>
           </a:p>
         </p:txBody>
@@ -22694,7 +22705,15 @@
           <a:p>
             <a:r>
               <a:rPr lang="en-US" dirty="0"/>
-              <a:t>If you didn't break up balls-intersect? with a help function like this, you would very likely be penalized for "needs help function"</a:t>
+              <a:t>If you didn't break up </a:t>
+            </a:r>
+            <a:r>
+              <a:rPr lang="en-US" b="1" dirty="0"/>
+              <a:t>balls-intersect? </a:t>
+            </a:r>
+            <a:r>
+              <a:rPr lang="en-US" dirty="0"/>
+              <a:t>with a help function like this, you would very likely be penalized for "needs help function"</a:t>
             </a:r>
           </a:p>
         </p:txBody>
@@ -22873,7 +22892,7 @@
           <a:p>
             <a:r>
               <a:rPr lang="en-US" dirty="0"/>
-              <a:t>Summary</a:t>
+              <a:t>Next Steps</a:t>
             </a:r>
           </a:p>
         </p:txBody>
@@ -22897,148 +22916,67 @@
           <a:p>
             <a:r>
               <a:rPr lang="en-US" dirty="0"/>
-              <a:t>We’ve now seen four Design Strategies:</a:t>
+              <a:t>Study the files </a:t>
             </a:r>
           </a:p>
           <a:p>
             <a:pPr lvl="1"/>
             <a:r>
               <a:rPr lang="en-US" dirty="0"/>
-              <a:t>Transcribe formula</a:t>
+              <a:t>02-3-1-traffic-light-with-timer.rkt </a:t>
             </a:r>
           </a:p>
           <a:p>
             <a:pPr lvl="1"/>
             <a:r>
               <a:rPr lang="en-US" dirty="0"/>
-              <a:t>Combine Simpler Functions</a:t>
-            </a:r>
-          </a:p>
-          <a:p>
-            <a:pPr lvl="2"/>
+              <a:t>02-3-2-ball-after-mouse.rkt </a:t>
+            </a:r>
+          </a:p>
+          <a:p>
+            <a:pPr lvl="1"/>
             <a:r>
               <a:rPr lang="en-US" dirty="0"/>
-              <a:t>Combine simpler functions in series or pipeline</a:t>
-            </a:r>
-          </a:p>
-          <a:p>
-            <a:pPr lvl="2"/>
+              <a:t>02-5-balls-collide.rkt</a:t>
+            </a:r>
+          </a:p>
+          <a:p>
+            <a:pPr marL="0" indent="0">
+              <a:buNone/>
+            </a:pPr>
             <a:r>
               <a:rPr lang="en-US" dirty="0"/>
-              <a:t>Use with any kind of data</a:t>
-            </a:r>
-          </a:p>
-          <a:p>
-            <a:pPr lvl="1"/>
+              <a:t>    in the Examples folder.</a:t>
+            </a:r>
+          </a:p>
+          <a:p>
             <a:r>
               <a:rPr lang="en-US" dirty="0"/>
-              <a:t>Use Template</a:t>
-            </a:r>
-          </a:p>
-          <a:p>
-            <a:pPr lvl="2"/>
+              <a:t>Run them.  Observe how untested code appears in orange </a:t>
+            </a:r>
+            <a:r>
+              <a:rPr lang="en-US"/>
+              <a:t>or black.</a:t>
+            </a:r>
+            <a:endParaRPr lang="en-US" dirty="0"/>
+          </a:p>
+          <a:p>
             <a:r>
               <a:rPr lang="en-US" dirty="0"/>
-              <a:t>Used for enumeration , compound, or mixed data</a:t>
-            </a:r>
-          </a:p>
-          <a:p>
-            <a:pPr lvl="2"/>
+              <a:t>If you have questions or comments about this lesson, post them on the discussion board.</a:t>
+            </a:r>
+          </a:p>
+          <a:p>
             <a:r>
               <a:rPr lang="en-US" dirty="0"/>
-              <a:t>Template gives sketch of function</a:t>
-            </a:r>
-          </a:p>
-          <a:p>
-            <a:pPr lvl="2"/>
-            <a:r>
-              <a:rPr lang="en-US" dirty="0"/>
-              <a:t>Our most important tool</a:t>
-            </a:r>
-          </a:p>
-          <a:p>
-            <a:pPr lvl="1"/>
-            <a:r>
-              <a:rPr lang="en-US" dirty="0"/>
-              <a:t>Cases</a:t>
-            </a:r>
-          </a:p>
-          <a:p>
-            <a:pPr lvl="2"/>
-            <a:r>
-              <a:rPr lang="en-US" dirty="0"/>
-              <a:t>For when you need to divide data into cases, but the template doesn’t fit.</a:t>
-            </a:r>
-          </a:p>
-          <a:p>
-            <a:pPr lvl="2"/>
-            <a:endParaRPr lang="en-US" dirty="0"/>
-          </a:p>
-          <a:p>
-            <a:pPr lvl="2"/>
-            <a:endParaRPr lang="en-US" dirty="0"/>
-          </a:p>
-        </p:txBody>
-      </p:sp>
-      <p:sp>
-        <p:nvSpPr>
-          <p:cNvPr id="4" name="Rectangle 3"/>
-          <p:cNvSpPr/>
-          <p:nvPr/>
-        </p:nvSpPr>
-        <p:spPr>
-          <a:xfrm>
-            <a:off x="6477000" y="4114800"/>
-            <a:ext cx="2514600" cy="1524000"/>
-          </a:xfrm>
-          <a:prstGeom prst="rect">
-            <a:avLst/>
-          </a:prstGeom>
-        </p:spPr>
-        <p:style>
-          <a:lnRef idx="1">
-            <a:schemeClr val="accent5"/>
-          </a:lnRef>
-          <a:fillRef idx="2">
-            <a:schemeClr val="accent5"/>
-          </a:fillRef>
-          <a:effectRef idx="1">
-            <a:schemeClr val="accent5"/>
-          </a:effectRef>
-          <a:fontRef idx="minor">
-            <a:schemeClr val="dk1"/>
-          </a:fontRef>
-        </p:style>
-        <p:txBody>
-          <a:bodyPr rtlCol="0" anchor="ctr"/>
-          <a:lstStyle/>
-          <a:p>
-            <a:pPr algn="ctr"/>
-            <a:r>
-              <a:rPr lang="en-US" dirty="0">
-                <a:solidFill>
-                  <a:schemeClr val="tx1"/>
-                </a:solidFill>
-              </a:rPr>
-              <a:t>Remember:</a:t>
-            </a:r>
-          </a:p>
-          <a:p>
-            <a:pPr algn="ctr"/>
-            <a:r>
-              <a:rPr lang="en-US" i="1" dirty="0">
-                <a:solidFill>
-                  <a:srgbClr val="FF0000"/>
-                </a:solidFill>
-              </a:rPr>
-              <a:t> The shape of the program follows the shape of the data.</a:t>
-            </a:r>
-          </a:p>
-        </p:txBody>
-      </p:sp>
-      <p:sp>
-        <p:nvSpPr>
-          <p:cNvPr id="5" name="Slide Number Placeholder 4"/>
+              <a:t>Go on to the next lesson.</a:t>
+            </a:r>
+          </a:p>
+        </p:txBody>
+      </p:sp>
+      <p:sp>
+        <p:nvSpPr>
+          <p:cNvPr id="4" name="Slide Number Placeholder 3"/>
           <p:cNvSpPr>
             <a:spLocks noGrp="1"/>
           </p:cNvSpPr>
@@ -23055,241 +22993,6 @@
               <a:rPr lang="en-US" smtClean="0"/>
               <a:pPr/>
               <a:t>22</a:t>
-            </a:fld>
-            <a:endParaRPr lang="en-US"/>
-          </a:p>
-        </p:txBody>
-      </p:sp>
-    </p:spTree>
-    <p:extLst>
-      <p:ext uri="{BB962C8B-B14F-4D97-AF65-F5344CB8AC3E}">
-        <p14:creationId xmlns:p14="http://schemas.microsoft.com/office/powerpoint/2010/main" val="2826906038"/>
-      </p:ext>
-    </p:extLst>
-  </p:cSld>
-  <p:clrMapOvr>
-    <a:masterClrMapping/>
-  </p:clrMapOvr>
-  <p:timing>
-    <p:tnLst>
-      <p:par>
-        <p:cTn id="1" dur="indefinite" restart="never" nodeType="tmRoot">
-          <p:childTnLst>
-            <p:seq concurrent="1" nextAc="seek">
-              <p:cTn id="2" dur="indefinite" nodeType="mainSeq">
-                <p:childTnLst>
-                  <p:par>
-                    <p:cTn id="3" fill="hold">
-                      <p:stCondLst>
-                        <p:cond delay="indefinite"/>
-                      </p:stCondLst>
-                      <p:childTnLst>
-                        <p:par>
-                          <p:cTn id="4" fill="hold">
-                            <p:stCondLst>
-                              <p:cond delay="0"/>
-                            </p:stCondLst>
-                            <p:childTnLst>
-                              <p:par>
-                                <p:cTn id="5" presetID="1" presetClass="entr" presetSubtype="0" fill="hold" grpId="0" nodeType="clickEffect">
-                                  <p:stCondLst>
-                                    <p:cond delay="0"/>
-                                  </p:stCondLst>
-                                  <p:childTnLst>
-                                    <p:set>
-                                      <p:cBhvr>
-                                        <p:cTn id="6" dur="1" fill="hold">
-                                          <p:stCondLst>
-                                            <p:cond delay="0"/>
-                                          </p:stCondLst>
-                                        </p:cTn>
-                                        <p:tgtEl>
-                                          <p:spTgt spid="4"/>
-                                        </p:tgtEl>
-                                        <p:attrNameLst>
-                                          <p:attrName>style.visibility</p:attrName>
-                                        </p:attrNameLst>
-                                      </p:cBhvr>
-                                      <p:to>
-                                        <p:strVal val="visible"/>
-                                      </p:to>
-                                    </p:set>
-                                  </p:childTnLst>
-                                </p:cTn>
-                              </p:par>
-                            </p:childTnLst>
-                          </p:cTn>
-                        </p:par>
-                      </p:childTnLst>
-                    </p:cTn>
-                  </p:par>
-                </p:childTnLst>
-              </p:cTn>
-              <p:prevCondLst>
-                <p:cond evt="onPrev" delay="0">
-                  <p:tgtEl>
-                    <p:sldTgt/>
-                  </p:tgtEl>
-                </p:cond>
-              </p:prevCondLst>
-              <p:nextCondLst>
-                <p:cond evt="onNext" delay="0">
-                  <p:tgtEl>
-                    <p:sldTgt/>
-                  </p:tgtEl>
-                </p:cond>
-              </p:nextCondLst>
-            </p:seq>
-          </p:childTnLst>
-        </p:cTn>
-      </p:par>
-    </p:tnLst>
-    <p:bldLst>
-      <p:bldP spid="4" grpId="0" animBg="1"/>
-    </p:bldLst>
-  </p:timing>
-</p:sld>
-</file>
-
-<file path=ppt/slides/slide23.xml><?xml version="1.0" encoding="utf-8"?>
-<p:sld xmlns:a="http://schemas.openxmlformats.org/drawingml/2006/main" xmlns:r="http://schemas.openxmlformats.org/officeDocument/2006/relationships" xmlns:p="http://schemas.openxmlformats.org/presentationml/2006/main">
-  <p:cSld>
-    <p:spTree>
-      <p:nvGrpSpPr>
-        <p:cNvPr id="1" name=""/>
-        <p:cNvGrpSpPr/>
-        <p:nvPr/>
-      </p:nvGrpSpPr>
-      <p:grpSpPr>
-        <a:xfrm>
-          <a:off x="0" y="0"/>
-          <a:ext cx="0" cy="0"/>
-          <a:chOff x="0" y="0"/>
-          <a:chExt cx="0" cy="0"/>
-        </a:xfrm>
-      </p:grpSpPr>
-      <p:sp>
-        <p:nvSpPr>
-          <p:cNvPr id="2" name="Title 1"/>
-          <p:cNvSpPr>
-            <a:spLocks noGrp="1"/>
-          </p:cNvSpPr>
-          <p:nvPr>
-            <p:ph type="title"/>
-          </p:nvPr>
-        </p:nvSpPr>
-        <p:spPr/>
-        <p:txBody>
-          <a:bodyPr/>
-          <a:lstStyle/>
-          <a:p>
-            <a:r>
-              <a:rPr lang="en-US" dirty="0"/>
-              <a:t>Next Steps</a:t>
-            </a:r>
-          </a:p>
-        </p:txBody>
-      </p:sp>
-      <p:sp>
-        <p:nvSpPr>
-          <p:cNvPr id="3" name="Content Placeholder 2"/>
-          <p:cNvSpPr>
-            <a:spLocks noGrp="1"/>
-          </p:cNvSpPr>
-          <p:nvPr>
-            <p:ph idx="1"/>
-          </p:nvPr>
-        </p:nvSpPr>
-        <p:spPr/>
-        <p:txBody>
-          <a:bodyPr>
-            <a:normAutofit fontScale="92500" lnSpcReduction="10000"/>
-          </a:bodyPr>
-          <a:lstStyle/>
-          <a:p>
-            <a:r>
-              <a:rPr lang="en-US" dirty="0"/>
-              <a:t>Study the files </a:t>
-            </a:r>
-          </a:p>
-          <a:p>
-            <a:pPr lvl="1"/>
-            <a:r>
-              <a:rPr lang="en-US" dirty="0"/>
-              <a:t>02-3-traffic-light-with-timer.rkt </a:t>
-            </a:r>
-          </a:p>
-          <a:p>
-            <a:pPr lvl="1"/>
-            <a:r>
-              <a:rPr lang="en-US" dirty="0"/>
-              <a:t>02-4-ball-after-mouse.rkt </a:t>
-            </a:r>
-          </a:p>
-          <a:p>
-            <a:pPr lvl="1"/>
-            <a:r>
-              <a:rPr lang="en-US" dirty="0"/>
-              <a:t>02-5-balls-collide.rkt</a:t>
-            </a:r>
-          </a:p>
-          <a:p>
-            <a:pPr marL="0" indent="0">
-              <a:buNone/>
-            </a:pPr>
-            <a:r>
-              <a:rPr lang="en-US" dirty="0"/>
-              <a:t>    in the Examples folder.</a:t>
-            </a:r>
-          </a:p>
-          <a:p>
-            <a:pPr lvl="1"/>
-            <a:r>
-              <a:rPr lang="en-US" dirty="0"/>
-              <a:t>Especially look at the tests.  Observe how the unused code shows up </a:t>
-            </a:r>
-            <a:r>
-              <a:rPr lang="en-US"/>
-              <a:t>in orange or black</a:t>
-            </a:r>
-            <a:r>
-              <a:rPr lang="en-US" dirty="0"/>
-              <a:t>.</a:t>
-            </a:r>
-          </a:p>
-          <a:p>
-            <a:r>
-              <a:rPr lang="en-US" dirty="0"/>
-              <a:t>If you have questions or comments about this lesson, post them on the discussion board.</a:t>
-            </a:r>
-          </a:p>
-          <a:p>
-            <a:r>
-              <a:rPr lang="en-US" dirty="0"/>
-              <a:t>Go on to the next lesson.</a:t>
-            </a:r>
-          </a:p>
-        </p:txBody>
-      </p:sp>
-      <p:sp>
-        <p:nvSpPr>
-          <p:cNvPr id="4" name="Slide Number Placeholder 3"/>
-          <p:cNvSpPr>
-            <a:spLocks noGrp="1"/>
-          </p:cNvSpPr>
-          <p:nvPr>
-            <p:ph type="sldNum" sz="quarter" idx="12"/>
-          </p:nvPr>
-        </p:nvSpPr>
-        <p:spPr/>
-        <p:txBody>
-          <a:bodyPr/>
-          <a:lstStyle/>
-          <a:p>
-            <a:fld id="{B6F15528-21DE-4FAA-801E-634DDDAF4B2B}" type="slidenum">
-              <a:rPr lang="en-US" smtClean="0"/>
-              <a:pPr/>
-              <a:t>23</a:t>
             </a:fld>
             <a:endParaRPr lang="en-US"/>
           </a:p>
@@ -24099,7 +23802,6 @@
               <a:rPr lang="en-US" dirty="0"/>
               <a:t>              COLOR-CHANGE-INTERVAL)</a:t>
             </a:r>
-            <a:endParaRPr lang="en-US" dirty="0"/>
           </a:p>
         </p:txBody>
       </p:sp>
@@ -24308,7 +24010,6 @@
               <a:rPr lang="en-US" dirty="0"/>
               <a:t>;; (color-at-next-second yellow-color 1) = red-color</a:t>
             </a:r>
-            <a:endParaRPr lang="en-US" dirty="0"/>
           </a:p>
         </p:txBody>
       </p:sp>
@@ -24606,7 +24307,6 @@
               <a:rPr lang="en-US" dirty="0"/>
               <a:t>     (if (= t 1) "yellow" "green")])) </a:t>
             </a:r>
-            <a:endParaRPr lang="en-US" dirty="0"/>
           </a:p>
         </p:txBody>
       </p:sp>
@@ -24826,7 +24526,6 @@
               <a:rPr lang="en-US" sz="1400" dirty="0"/>
               <a:t>  (if (= t 1) (next-color c) c))</a:t>
             </a:r>
-            <a:endParaRPr lang="en-US" sz="1400" dirty="0"/>
           </a:p>
         </p:txBody>
       </p:sp>
@@ -24974,7 +24673,6 @@
               <a:rPr lang="en-US" sz="1400" dirty="0"/>
               <a:t>     "yellow"])) </a:t>
             </a:r>
-            <a:endParaRPr lang="en-US" sz="1400" dirty="0"/>
           </a:p>
         </p:txBody>
       </p:sp>

--- a/Slides/Lesson 2.3 Examining More than One Value.pptx
+++ b/Slides/Lesson 2.3 Examining More than One Value.pptx
@@ -4128,7 +4128,7 @@
             <a:fld id="{0FAC78B3-EDCE-4187-A1AE-28620314FA32}" type="datetimeFigureOut">
               <a:rPr lang="en-US" smtClean="0"/>
               <a:pPr/>
-              <a:t>7/26/2017</a:t>
+              <a:t>8/11/2017</a:t>
             </a:fld>
             <a:endParaRPr lang="en-US"/>
           </a:p>
@@ -4668,7 +4668,7 @@
           <a:p>
             <a:fld id="{AE36E179-9677-406E-90D9-3402BE92068A}" type="datetime1">
               <a:rPr lang="en-US" smtClean="0"/>
-              <a:t>7/26/2017</a:t>
+              <a:t>8/11/2017</a:t>
             </a:fld>
             <a:endParaRPr lang="en-US"/>
           </a:p>
@@ -4932,7 +4932,7 @@
           <a:p>
             <a:fld id="{9C106CB1-CEAE-4FA9-AC65-2E4B01C62B73}" type="datetime1">
               <a:rPr lang="en-US" smtClean="0"/>
-              <a:t>7/26/2017</a:t>
+              <a:t>8/11/2017</a:t>
             </a:fld>
             <a:endParaRPr lang="en-US"/>
           </a:p>
@@ -5112,7 +5112,7 @@
           <a:p>
             <a:fld id="{2D3DB8E0-41F1-4047-A2BB-3AF23AEFB7A8}" type="datetime1">
               <a:rPr lang="en-US" smtClean="0"/>
-              <a:t>7/26/2017</a:t>
+              <a:t>8/11/2017</a:t>
             </a:fld>
             <a:endParaRPr lang="en-US"/>
           </a:p>
@@ -5302,7 +5302,7 @@
           <a:p>
             <a:fld id="{2EDFADFF-E434-421D-BD26-7C347DAB516F}" type="datetime1">
               <a:rPr lang="en-US" smtClean="0"/>
-              <a:t>7/26/2017</a:t>
+              <a:t>8/11/2017</a:t>
             </a:fld>
             <a:endParaRPr lang="en-US"/>
           </a:p>
@@ -5565,7 +5565,7 @@
                 </a:solidFill>
               </a:rPr>
               <a:pPr/>
-              <a:t>7/26/2017</a:t>
+              <a:t>8/11/2017</a:t>
             </a:fld>
             <a:endParaRPr lang="en-US">
               <a:solidFill>
@@ -5771,7 +5771,7 @@
                 </a:solidFill>
               </a:rPr>
               <a:pPr/>
-              <a:t>7/26/2017</a:t>
+              <a:t>8/11/2017</a:t>
             </a:fld>
             <a:endParaRPr lang="en-US">
               <a:solidFill>
@@ -5976,7 +5976,7 @@
                 </a:solidFill>
               </a:rPr>
               <a:pPr/>
-              <a:t>7/26/2017</a:t>
+              <a:t>8/11/2017</a:t>
             </a:fld>
             <a:endParaRPr lang="en-US">
               <a:solidFill>
@@ -6273,7 +6273,7 @@
                 </a:solidFill>
               </a:rPr>
               <a:pPr/>
-              <a:t>7/26/2017</a:t>
+              <a:t>8/11/2017</a:t>
             </a:fld>
             <a:endParaRPr lang="en-US">
               <a:solidFill>
@@ -6481,7 +6481,7 @@
                 </a:solidFill>
               </a:rPr>
               <a:pPr/>
-              <a:t>7/26/2017</a:t>
+              <a:t>8/11/2017</a:t>
             </a:fld>
             <a:endParaRPr lang="en-US">
               <a:solidFill>
@@ -6807,7 +6807,7 @@
                 </a:solidFill>
               </a:rPr>
               <a:pPr/>
-              <a:t>7/26/2017</a:t>
+              <a:t>8/11/2017</a:t>
             </a:fld>
             <a:endParaRPr lang="en-US">
               <a:solidFill>
@@ -7124,7 +7124,7 @@
                 </a:solidFill>
               </a:rPr>
               <a:pPr/>
-              <a:t>7/26/2017</a:t>
+              <a:t>8/11/2017</a:t>
             </a:fld>
             <a:endParaRPr lang="en-US">
               <a:solidFill>
@@ -7337,7 +7337,7 @@
           <a:p>
             <a:fld id="{3B722677-7067-4D71-BF6A-8259C5E94357}" type="datetime1">
               <a:rPr lang="en-US" smtClean="0"/>
-              <a:t>7/26/2017</a:t>
+              <a:t>8/11/2017</a:t>
             </a:fld>
             <a:endParaRPr lang="en-US"/>
           </a:p>
@@ -7767,7 +7767,7 @@
                 </a:solidFill>
               </a:rPr>
               <a:pPr/>
-              <a:t>7/26/2017</a:t>
+              <a:t>8/11/2017</a:t>
             </a:fld>
             <a:endParaRPr lang="en-US">
               <a:solidFill>
@@ -7916,7 +7916,7 @@
                 </a:solidFill>
               </a:rPr>
               <a:pPr/>
-              <a:t>7/26/2017</a:t>
+              <a:t>8/11/2017</a:t>
             </a:fld>
             <a:endParaRPr lang="en-US">
               <a:solidFill>
@@ -8043,7 +8043,7 @@
                 </a:solidFill>
               </a:rPr>
               <a:pPr/>
-              <a:t>7/26/2017</a:t>
+              <a:t>8/11/2017</a:t>
             </a:fld>
             <a:endParaRPr lang="en-US">
               <a:solidFill>
@@ -8350,7 +8350,7 @@
                 </a:solidFill>
               </a:rPr>
               <a:pPr/>
-              <a:t>7/26/2017</a:t>
+              <a:t>8/11/2017</a:t>
             </a:fld>
             <a:endParaRPr lang="en-US">
               <a:solidFill>
@@ -8634,7 +8634,7 @@
                 </a:solidFill>
               </a:rPr>
               <a:pPr/>
-              <a:t>7/26/2017</a:t>
+              <a:t>8/11/2017</a:t>
             </a:fld>
             <a:endParaRPr lang="en-US">
               <a:solidFill>
@@ -8834,7 +8834,7 @@
                 </a:solidFill>
               </a:rPr>
               <a:pPr/>
-              <a:t>7/26/2017</a:t>
+              <a:t>8/11/2017</a:t>
             </a:fld>
             <a:endParaRPr lang="en-US">
               <a:solidFill>
@@ -9044,7 +9044,7 @@
                 </a:solidFill>
               </a:rPr>
               <a:pPr/>
-              <a:t>7/26/2017</a:t>
+              <a:t>8/11/2017</a:t>
             </a:fld>
             <a:endParaRPr lang="en-US">
               <a:solidFill>
@@ -9321,7 +9321,7 @@
           <a:p>
             <a:fld id="{2F1F79F5-7BEC-496A-AFC7-876E38F64D71}" type="datetime1">
               <a:rPr lang="en-US" smtClean="0"/>
-              <a:t>7/26/2017</a:t>
+              <a:t>8/11/2017</a:t>
             </a:fld>
             <a:endParaRPr lang="en-US"/>
           </a:p>
@@ -9495,7 +9495,7 @@
           <a:p>
             <a:fld id="{E22ED4DA-448D-4BB1-B935-CC112220207B}" type="datetime1">
               <a:rPr lang="en-US" smtClean="0"/>
-              <a:t>7/26/2017</a:t>
+              <a:t>8/11/2017</a:t>
             </a:fld>
             <a:endParaRPr lang="en-US"/>
           </a:p>
@@ -9668,7 +9668,7 @@
           <a:p>
             <a:fld id="{E22ED4DA-448D-4BB1-B935-CC112220207B}" type="datetime1">
               <a:rPr lang="en-US" smtClean="0"/>
-              <a:t>7/26/2017</a:t>
+              <a:t>8/11/2017</a:t>
             </a:fld>
             <a:endParaRPr lang="en-US"/>
           </a:p>
@@ -10084,7 +10084,7 @@
           <a:p>
             <a:fld id="{FF5D65A6-AB94-4435-B0B7-3743215FA46C}" type="datetime1">
               <a:rPr lang="en-US" smtClean="0"/>
-              <a:t>7/26/2017</a:t>
+              <a:t>8/11/2017</a:t>
             </a:fld>
             <a:endParaRPr lang="en-US"/>
           </a:p>
@@ -10260,7 +10260,7 @@
           <a:p>
             <a:fld id="{FF5D65A6-AB94-4435-B0B7-3743215FA46C}" type="datetime1">
               <a:rPr lang="en-US" smtClean="0"/>
-              <a:t>7/26/2017</a:t>
+              <a:t>8/11/2017</a:t>
             </a:fld>
             <a:endParaRPr lang="en-US"/>
           </a:p>
@@ -10554,7 +10554,7 @@
           <a:p>
             <a:fld id="{7C193DC4-6EF0-48C9-B29C-616106A645E1}" type="datetime1">
               <a:rPr lang="en-US" smtClean="0"/>
-              <a:t>7/26/2017</a:t>
+              <a:t>8/11/2017</a:t>
             </a:fld>
             <a:endParaRPr lang="en-US"/>
           </a:p>
@@ -10839,7 +10839,7 @@
           <a:p>
             <a:fld id="{5D1846AD-9252-4647-9435-4C2AC365653A}" type="datetime1">
               <a:rPr lang="en-US" smtClean="0"/>
-              <a:t>7/26/2017</a:t>
+              <a:t>8/11/2017</a:t>
             </a:fld>
             <a:endParaRPr lang="en-US"/>
           </a:p>
@@ -11258,7 +11258,7 @@
           <a:p>
             <a:fld id="{CE56DC10-3561-4063-A6AF-C1CC7A41040A}" type="datetime1">
               <a:rPr lang="en-US" smtClean="0"/>
-              <a:t>7/26/2017</a:t>
+              <a:t>8/11/2017</a:t>
             </a:fld>
             <a:endParaRPr lang="en-US"/>
           </a:p>
@@ -11375,7 +11375,7 @@
           <a:p>
             <a:fld id="{2F7B77F5-1464-4F6B-92A8-64FC8A508293}" type="datetime1">
               <a:rPr lang="en-US" smtClean="0"/>
-              <a:t>7/26/2017</a:t>
+              <a:t>8/11/2017</a:t>
             </a:fld>
             <a:endParaRPr lang="en-US"/>
           </a:p>
@@ -11470,7 +11470,7 @@
           <a:p>
             <a:fld id="{0A05703A-7669-4FEA-9056-25299B4D29D4}" type="datetime1">
               <a:rPr lang="en-US" smtClean="0"/>
-              <a:t>7/26/2017</a:t>
+              <a:t>8/11/2017</a:t>
             </a:fld>
             <a:endParaRPr lang="en-US"/>
           </a:p>
@@ -11745,7 +11745,7 @@
           <a:p>
             <a:fld id="{6E5077B5-BB57-49DB-88CA-226A139E5C01}" type="datetime1">
               <a:rPr lang="en-US" smtClean="0"/>
-              <a:t>7/26/2017</a:t>
+              <a:t>8/11/2017</a:t>
             </a:fld>
             <a:endParaRPr lang="en-US"/>
           </a:p>
@@ -11997,7 +11997,7 @@
           <a:p>
             <a:fld id="{C48D9447-CBD6-49A1-89FD-8512A8CF8999}" type="datetime1">
               <a:rPr lang="en-US" smtClean="0"/>
-              <a:t>7/26/2017</a:t>
+              <a:t>8/11/2017</a:t>
             </a:fld>
             <a:endParaRPr lang="en-US"/>
           </a:p>
@@ -12165,7 +12165,7 @@
           <a:p>
             <a:fld id="{A3639A2A-823D-48B7-9ACE-7FAF42870BA9}" type="datetime1">
               <a:rPr lang="en-US" smtClean="0"/>
-              <a:t>7/26/2017</a:t>
+              <a:t>8/11/2017</a:t>
             </a:fld>
             <a:endParaRPr lang="en-US"/>
           </a:p>
@@ -12418,7 +12418,7 @@
           <a:p>
             <a:fld id="{0C6FD516-C588-49F9-8A09-31EF43101ACE}" type="datetime1">
               <a:rPr lang="en-US" smtClean="0"/>
-              <a:t>7/26/2017</a:t>
+              <a:t>8/11/2017</a:t>
             </a:fld>
             <a:endParaRPr lang="en-US"/>
           </a:p>
@@ -12600,7 +12600,7 @@
           <a:p>
             <a:fld id="{ED1B6996-82E9-463C-972C-7B56056E426C}" type="datetime1">
               <a:rPr lang="en-US" smtClean="0"/>
-              <a:t>7/26/2017</a:t>
+              <a:t>8/11/2017</a:t>
             </a:fld>
             <a:endParaRPr lang="en-US"/>
           </a:p>
@@ -12840,7 +12840,7 @@
           <a:p>
             <a:fld id="{CA8B1E08-976E-451D-97C5-3D69BA983FFE}" type="datetime1">
               <a:rPr lang="en-US" smtClean="0"/>
-              <a:t>7/26/2017</a:t>
+              <a:t>8/11/2017</a:t>
             </a:fld>
             <a:endParaRPr lang="en-US" dirty="0"/>
           </a:p>
@@ -13021,7 +13021,7 @@
           <a:p>
             <a:fld id="{DC7A6930-E356-4864-92C1-40AC7A5201AA}" type="datetime1">
               <a:rPr lang="en-US" smtClean="0"/>
-              <a:t>7/26/2017</a:t>
+              <a:t>8/11/2017</a:t>
             </a:fld>
             <a:endParaRPr lang="en-US" dirty="0"/>
           </a:p>
@@ -13201,7 +13201,7 @@
           <a:p>
             <a:fld id="{45C1EE53-8F27-4821-8161-190499C0D007}" type="datetime1">
               <a:rPr lang="en-US" smtClean="0"/>
-              <a:t>7/26/2017</a:t>
+              <a:t>8/11/2017</a:t>
             </a:fld>
             <a:endParaRPr lang="en-US" dirty="0"/>
           </a:p>
@@ -13446,7 +13446,7 @@
           <a:p>
             <a:fld id="{0D423975-99FA-4807-B1B4-A59DEFED898A}" type="datetime1">
               <a:rPr lang="en-US" smtClean="0"/>
-              <a:t>7/26/2017</a:t>
+              <a:t>8/11/2017</a:t>
             </a:fld>
             <a:endParaRPr lang="en-US" dirty="0"/>
           </a:p>
@@ -13732,7 +13732,7 @@
           <a:p>
             <a:fld id="{90F7752F-4922-4BAA-9C20-D4DAF4ED08B5}" type="datetime1">
               <a:rPr lang="en-US" smtClean="0"/>
-              <a:t>7/26/2017</a:t>
+              <a:t>8/11/2017</a:t>
             </a:fld>
             <a:endParaRPr lang="en-US" dirty="0"/>
           </a:p>
@@ -14152,7 +14152,7 @@
           <a:p>
             <a:fld id="{3536A633-E76F-4E07-A3AE-A7A784889AE2}" type="datetime1">
               <a:rPr lang="en-US" smtClean="0"/>
-              <a:t>7/26/2017</a:t>
+              <a:t>8/11/2017</a:t>
             </a:fld>
             <a:endParaRPr lang="en-US" dirty="0"/>
           </a:p>
@@ -14270,7 +14270,7 @@
           <a:p>
             <a:fld id="{61CB5BDE-D72B-4A3A-925B-2A5C22F639AF}" type="datetime1">
               <a:rPr lang="en-US" smtClean="0"/>
-              <a:t>7/26/2017</a:t>
+              <a:t>8/11/2017</a:t>
             </a:fld>
             <a:endParaRPr lang="en-US" dirty="0"/>
           </a:p>
@@ -14366,7 +14366,7 @@
           <a:p>
             <a:fld id="{A24C7B69-131B-4374-A9CC-0845A85B9B89}" type="datetime1">
               <a:rPr lang="en-US" smtClean="0"/>
-              <a:t>7/26/2017</a:t>
+              <a:t>8/11/2017</a:t>
             </a:fld>
             <a:endParaRPr lang="en-US" dirty="0"/>
           </a:p>
@@ -14642,7 +14642,7 @@
           <a:p>
             <a:fld id="{2F57E60E-10B6-4F85-8F8E-D3A8141030E0}" type="datetime1">
               <a:rPr lang="en-US" smtClean="0"/>
-              <a:t>7/26/2017</a:t>
+              <a:t>8/11/2017</a:t>
             </a:fld>
             <a:endParaRPr lang="en-US" dirty="0"/>
           </a:p>
@@ -14936,7 +14936,7 @@
           <a:p>
             <a:fld id="{62847054-0C3A-4855-B827-AB022CCDB352}" type="datetime1">
               <a:rPr lang="en-US" smtClean="0"/>
-              <a:t>7/26/2017</a:t>
+              <a:t>8/11/2017</a:t>
             </a:fld>
             <a:endParaRPr lang="en-US"/>
           </a:p>
@@ -15192,7 +15192,7 @@
           <a:p>
             <a:fld id="{F33D5BC8-75F3-411B-AA7E-18F2517CF048}" type="datetime1">
               <a:rPr lang="en-US" smtClean="0"/>
-              <a:t>7/26/2017</a:t>
+              <a:t>8/11/2017</a:t>
             </a:fld>
             <a:endParaRPr lang="en-US" dirty="0"/>
           </a:p>
@@ -15361,7 +15361,7 @@
           <a:p>
             <a:fld id="{394448D4-AED6-43DB-A0F8-CD4938D2549C}" type="datetime1">
               <a:rPr lang="en-US" smtClean="0"/>
-              <a:t>7/26/2017</a:t>
+              <a:t>8/11/2017</a:t>
             </a:fld>
             <a:endParaRPr lang="en-US" dirty="0"/>
           </a:p>
@@ -15661,7 +15661,7 @@
           <a:p>
             <a:fld id="{5D1846AD-9252-4647-9435-4C2AC365653A}" type="datetime1">
               <a:rPr lang="en-US" smtClean="0"/>
-              <a:t>7/26/2017</a:t>
+              <a:t>8/11/2017</a:t>
             </a:fld>
             <a:endParaRPr lang="en-US"/>
           </a:p>
@@ -15839,7 +15839,7 @@
           <a:p>
             <a:fld id="{160CE893-3A38-428F-89AB-E97AD9CAA95E}" type="datetime1">
               <a:rPr lang="en-US" smtClean="0"/>
-              <a:t>7/26/2017</a:t>
+              <a:t>8/11/2017</a:t>
             </a:fld>
             <a:endParaRPr lang="en-US" dirty="0"/>
           </a:p>
@@ -16267,7 +16267,7 @@
           <a:p>
             <a:fld id="{787C7470-D2BA-4210-A881-18C149229110}" type="datetime1">
               <a:rPr lang="en-US" smtClean="0"/>
-              <a:t>7/26/2017</a:t>
+              <a:t>8/11/2017</a:t>
             </a:fld>
             <a:endParaRPr lang="en-US"/>
           </a:p>
@@ -16396,7 +16396,7 @@
           <a:p>
             <a:fld id="{8DEC73FD-A5ED-479F-9068-BAD5EB3F7E69}" type="datetime1">
               <a:rPr lang="en-US" smtClean="0"/>
-              <a:t>7/26/2017</a:t>
+              <a:t>8/11/2017</a:t>
             </a:fld>
             <a:endParaRPr lang="en-US"/>
           </a:p>
@@ -16503,7 +16503,7 @@
           <a:p>
             <a:fld id="{EA1BC252-941B-4451-B02D-F879104EB58F}" type="datetime1">
               <a:rPr lang="en-US" smtClean="0"/>
-              <a:t>7/26/2017</a:t>
+              <a:t>8/11/2017</a:t>
             </a:fld>
             <a:endParaRPr lang="en-US"/>
           </a:p>
@@ -16790,7 +16790,7 @@
           <a:p>
             <a:fld id="{43A8641F-9EDF-4983-849A-96C94386CBBC}" type="datetime1">
               <a:rPr lang="en-US" smtClean="0"/>
-              <a:t>7/26/2017</a:t>
+              <a:t>8/11/2017</a:t>
             </a:fld>
             <a:endParaRPr lang="en-US"/>
           </a:p>
@@ -17440,7 +17440,7 @@
                 </a:solidFill>
               </a:rPr>
               <a:pPr/>
-              <a:t>7/26/2017</a:t>
+              <a:t>8/11/2017</a:t>
             </a:fld>
             <a:endParaRPr lang="en-US">
               <a:solidFill>
@@ -17977,7 +17977,7 @@
           <a:p>
             <a:fld id="{02B3F677-983B-48DB-ADFD-63FE6CBC7FB2}" type="datetime1">
               <a:rPr lang="en-US" smtClean="0"/>
-              <a:t>7/26/2017</a:t>
+              <a:t>8/11/2017</a:t>
             </a:fld>
             <a:endParaRPr lang="en-US"/>
           </a:p>
@@ -18501,7 +18501,7 @@
           <a:p>
             <a:fld id="{8684A8BA-DEEC-47D2-87F9-8204232D7DB8}" type="datetime1">
               <a:rPr lang="en-US" smtClean="0"/>
-              <a:t>7/26/2017</a:t>
+              <a:t>8/11/2017</a:t>
             </a:fld>
             <a:endParaRPr lang="en-US" dirty="0"/>
           </a:p>
@@ -22249,7 +22249,7 @@
           <a:p>
             <a:r>
               <a:rPr lang="en-US" dirty="0"/>
-              <a:t>Better: If you need to do examine more than one value, examine one argument first, using its observer template, and pass the results on to a suitable help function or functions.</a:t>
+              <a:t>Better: If you need to examine more than one value, examine one argument first, using its observer template, and pass the results on to a suitable help function or functions.</a:t>
             </a:r>
           </a:p>
         </p:txBody>

--- a/Slides/Lesson 2.3 Examining More than One Value.pptx
+++ b/Slides/Lesson 2.3 Examining More than One Value.pptx
@@ -4128,7 +4128,7 @@
             <a:fld id="{0FAC78B3-EDCE-4187-A1AE-28620314FA32}" type="datetimeFigureOut">
               <a:rPr lang="en-US" smtClean="0"/>
               <a:pPr/>
-              <a:t>8/11/2017</a:t>
+              <a:t>9/17/2017</a:t>
             </a:fld>
             <a:endParaRPr lang="en-US"/>
           </a:p>
@@ -4668,7 +4668,7 @@
           <a:p>
             <a:fld id="{AE36E179-9677-406E-90D9-3402BE92068A}" type="datetime1">
               <a:rPr lang="en-US" smtClean="0"/>
-              <a:t>8/11/2017</a:t>
+              <a:t>9/17/2017</a:t>
             </a:fld>
             <a:endParaRPr lang="en-US"/>
           </a:p>
@@ -4932,7 +4932,7 @@
           <a:p>
             <a:fld id="{9C106CB1-CEAE-4FA9-AC65-2E4B01C62B73}" type="datetime1">
               <a:rPr lang="en-US" smtClean="0"/>
-              <a:t>8/11/2017</a:t>
+              <a:t>9/17/2017</a:t>
             </a:fld>
             <a:endParaRPr lang="en-US"/>
           </a:p>
@@ -5112,7 +5112,7 @@
           <a:p>
             <a:fld id="{2D3DB8E0-41F1-4047-A2BB-3AF23AEFB7A8}" type="datetime1">
               <a:rPr lang="en-US" smtClean="0"/>
-              <a:t>8/11/2017</a:t>
+              <a:t>9/17/2017</a:t>
             </a:fld>
             <a:endParaRPr lang="en-US"/>
           </a:p>
@@ -5302,7 +5302,7 @@
           <a:p>
             <a:fld id="{2EDFADFF-E434-421D-BD26-7C347DAB516F}" type="datetime1">
               <a:rPr lang="en-US" smtClean="0"/>
-              <a:t>8/11/2017</a:t>
+              <a:t>9/17/2017</a:t>
             </a:fld>
             <a:endParaRPr lang="en-US"/>
           </a:p>
@@ -5565,7 +5565,7 @@
                 </a:solidFill>
               </a:rPr>
               <a:pPr/>
-              <a:t>8/11/2017</a:t>
+              <a:t>9/17/2017</a:t>
             </a:fld>
             <a:endParaRPr lang="en-US">
               <a:solidFill>
@@ -5771,7 +5771,7 @@
                 </a:solidFill>
               </a:rPr>
               <a:pPr/>
-              <a:t>8/11/2017</a:t>
+              <a:t>9/17/2017</a:t>
             </a:fld>
             <a:endParaRPr lang="en-US">
               <a:solidFill>
@@ -5976,7 +5976,7 @@
                 </a:solidFill>
               </a:rPr>
               <a:pPr/>
-              <a:t>8/11/2017</a:t>
+              <a:t>9/17/2017</a:t>
             </a:fld>
             <a:endParaRPr lang="en-US">
               <a:solidFill>
@@ -6273,7 +6273,7 @@
                 </a:solidFill>
               </a:rPr>
               <a:pPr/>
-              <a:t>8/11/2017</a:t>
+              <a:t>9/17/2017</a:t>
             </a:fld>
             <a:endParaRPr lang="en-US">
               <a:solidFill>
@@ -6481,7 +6481,7 @@
                 </a:solidFill>
               </a:rPr>
               <a:pPr/>
-              <a:t>8/11/2017</a:t>
+              <a:t>9/17/2017</a:t>
             </a:fld>
             <a:endParaRPr lang="en-US">
               <a:solidFill>
@@ -6807,7 +6807,7 @@
                 </a:solidFill>
               </a:rPr>
               <a:pPr/>
-              <a:t>8/11/2017</a:t>
+              <a:t>9/17/2017</a:t>
             </a:fld>
             <a:endParaRPr lang="en-US">
               <a:solidFill>
@@ -7124,7 +7124,7 @@
                 </a:solidFill>
               </a:rPr>
               <a:pPr/>
-              <a:t>8/11/2017</a:t>
+              <a:t>9/17/2017</a:t>
             </a:fld>
             <a:endParaRPr lang="en-US">
               <a:solidFill>
@@ -7337,7 +7337,7 @@
           <a:p>
             <a:fld id="{3B722677-7067-4D71-BF6A-8259C5E94357}" type="datetime1">
               <a:rPr lang="en-US" smtClean="0"/>
-              <a:t>8/11/2017</a:t>
+              <a:t>9/17/2017</a:t>
             </a:fld>
             <a:endParaRPr lang="en-US"/>
           </a:p>
@@ -7767,7 +7767,7 @@
                 </a:solidFill>
               </a:rPr>
               <a:pPr/>
-              <a:t>8/11/2017</a:t>
+              <a:t>9/17/2017</a:t>
             </a:fld>
             <a:endParaRPr lang="en-US">
               <a:solidFill>
@@ -7916,7 +7916,7 @@
                 </a:solidFill>
               </a:rPr>
               <a:pPr/>
-              <a:t>8/11/2017</a:t>
+              <a:t>9/17/2017</a:t>
             </a:fld>
             <a:endParaRPr lang="en-US">
               <a:solidFill>
@@ -8043,7 +8043,7 @@
                 </a:solidFill>
               </a:rPr>
               <a:pPr/>
-              <a:t>8/11/2017</a:t>
+              <a:t>9/17/2017</a:t>
             </a:fld>
             <a:endParaRPr lang="en-US">
               <a:solidFill>
@@ -8350,7 +8350,7 @@
                 </a:solidFill>
               </a:rPr>
               <a:pPr/>
-              <a:t>8/11/2017</a:t>
+              <a:t>9/17/2017</a:t>
             </a:fld>
             <a:endParaRPr lang="en-US">
               <a:solidFill>
@@ -8634,7 +8634,7 @@
                 </a:solidFill>
               </a:rPr>
               <a:pPr/>
-              <a:t>8/11/2017</a:t>
+              <a:t>9/17/2017</a:t>
             </a:fld>
             <a:endParaRPr lang="en-US">
               <a:solidFill>
@@ -8834,7 +8834,7 @@
                 </a:solidFill>
               </a:rPr>
               <a:pPr/>
-              <a:t>8/11/2017</a:t>
+              <a:t>9/17/2017</a:t>
             </a:fld>
             <a:endParaRPr lang="en-US">
               <a:solidFill>
@@ -9044,7 +9044,7 @@
                 </a:solidFill>
               </a:rPr>
               <a:pPr/>
-              <a:t>8/11/2017</a:t>
+              <a:t>9/17/2017</a:t>
             </a:fld>
             <a:endParaRPr lang="en-US">
               <a:solidFill>
@@ -9321,7 +9321,7 @@
           <a:p>
             <a:fld id="{2F1F79F5-7BEC-496A-AFC7-876E38F64D71}" type="datetime1">
               <a:rPr lang="en-US" smtClean="0"/>
-              <a:t>8/11/2017</a:t>
+              <a:t>9/17/2017</a:t>
             </a:fld>
             <a:endParaRPr lang="en-US"/>
           </a:p>
@@ -9495,7 +9495,7 @@
           <a:p>
             <a:fld id="{E22ED4DA-448D-4BB1-B935-CC112220207B}" type="datetime1">
               <a:rPr lang="en-US" smtClean="0"/>
-              <a:t>8/11/2017</a:t>
+              <a:t>9/17/2017</a:t>
             </a:fld>
             <a:endParaRPr lang="en-US"/>
           </a:p>
@@ -9668,7 +9668,7 @@
           <a:p>
             <a:fld id="{E22ED4DA-448D-4BB1-B935-CC112220207B}" type="datetime1">
               <a:rPr lang="en-US" smtClean="0"/>
-              <a:t>8/11/2017</a:t>
+              <a:t>9/17/2017</a:t>
             </a:fld>
             <a:endParaRPr lang="en-US"/>
           </a:p>
@@ -10084,7 +10084,7 @@
           <a:p>
             <a:fld id="{FF5D65A6-AB94-4435-B0B7-3743215FA46C}" type="datetime1">
               <a:rPr lang="en-US" smtClean="0"/>
-              <a:t>8/11/2017</a:t>
+              <a:t>9/17/2017</a:t>
             </a:fld>
             <a:endParaRPr lang="en-US"/>
           </a:p>
@@ -10260,7 +10260,7 @@
           <a:p>
             <a:fld id="{FF5D65A6-AB94-4435-B0B7-3743215FA46C}" type="datetime1">
               <a:rPr lang="en-US" smtClean="0"/>
-              <a:t>8/11/2017</a:t>
+              <a:t>9/17/2017</a:t>
             </a:fld>
             <a:endParaRPr lang="en-US"/>
           </a:p>
@@ -10554,7 +10554,7 @@
           <a:p>
             <a:fld id="{7C193DC4-6EF0-48C9-B29C-616106A645E1}" type="datetime1">
               <a:rPr lang="en-US" smtClean="0"/>
-              <a:t>8/11/2017</a:t>
+              <a:t>9/17/2017</a:t>
             </a:fld>
             <a:endParaRPr lang="en-US"/>
           </a:p>
@@ -10839,7 +10839,7 @@
           <a:p>
             <a:fld id="{5D1846AD-9252-4647-9435-4C2AC365653A}" type="datetime1">
               <a:rPr lang="en-US" smtClean="0"/>
-              <a:t>8/11/2017</a:t>
+              <a:t>9/17/2017</a:t>
             </a:fld>
             <a:endParaRPr lang="en-US"/>
           </a:p>
@@ -11258,7 +11258,7 @@
           <a:p>
             <a:fld id="{CE56DC10-3561-4063-A6AF-C1CC7A41040A}" type="datetime1">
               <a:rPr lang="en-US" smtClean="0"/>
-              <a:t>8/11/2017</a:t>
+              <a:t>9/17/2017</a:t>
             </a:fld>
             <a:endParaRPr lang="en-US"/>
           </a:p>
@@ -11375,7 +11375,7 @@
           <a:p>
             <a:fld id="{2F7B77F5-1464-4F6B-92A8-64FC8A508293}" type="datetime1">
               <a:rPr lang="en-US" smtClean="0"/>
-              <a:t>8/11/2017</a:t>
+              <a:t>9/17/2017</a:t>
             </a:fld>
             <a:endParaRPr lang="en-US"/>
           </a:p>
@@ -11470,7 +11470,7 @@
           <a:p>
             <a:fld id="{0A05703A-7669-4FEA-9056-25299B4D29D4}" type="datetime1">
               <a:rPr lang="en-US" smtClean="0"/>
-              <a:t>8/11/2017</a:t>
+              <a:t>9/17/2017</a:t>
             </a:fld>
             <a:endParaRPr lang="en-US"/>
           </a:p>
@@ -11745,7 +11745,7 @@
           <a:p>
             <a:fld id="{6E5077B5-BB57-49DB-88CA-226A139E5C01}" type="datetime1">
               <a:rPr lang="en-US" smtClean="0"/>
-              <a:t>8/11/2017</a:t>
+              <a:t>9/17/2017</a:t>
             </a:fld>
             <a:endParaRPr lang="en-US"/>
           </a:p>
@@ -11997,7 +11997,7 @@
           <a:p>
             <a:fld id="{C48D9447-CBD6-49A1-89FD-8512A8CF8999}" type="datetime1">
               <a:rPr lang="en-US" smtClean="0"/>
-              <a:t>8/11/2017</a:t>
+              <a:t>9/17/2017</a:t>
             </a:fld>
             <a:endParaRPr lang="en-US"/>
           </a:p>
@@ -12165,7 +12165,7 @@
           <a:p>
             <a:fld id="{A3639A2A-823D-48B7-9ACE-7FAF42870BA9}" type="datetime1">
               <a:rPr lang="en-US" smtClean="0"/>
-              <a:t>8/11/2017</a:t>
+              <a:t>9/17/2017</a:t>
             </a:fld>
             <a:endParaRPr lang="en-US"/>
           </a:p>
@@ -12418,7 +12418,7 @@
           <a:p>
             <a:fld id="{0C6FD516-C588-49F9-8A09-31EF43101ACE}" type="datetime1">
               <a:rPr lang="en-US" smtClean="0"/>
-              <a:t>8/11/2017</a:t>
+              <a:t>9/17/2017</a:t>
             </a:fld>
             <a:endParaRPr lang="en-US"/>
           </a:p>
@@ -12600,7 +12600,7 @@
           <a:p>
             <a:fld id="{ED1B6996-82E9-463C-972C-7B56056E426C}" type="datetime1">
               <a:rPr lang="en-US" smtClean="0"/>
-              <a:t>8/11/2017</a:t>
+              <a:t>9/17/2017</a:t>
             </a:fld>
             <a:endParaRPr lang="en-US"/>
           </a:p>
@@ -12840,7 +12840,7 @@
           <a:p>
             <a:fld id="{CA8B1E08-976E-451D-97C5-3D69BA983FFE}" type="datetime1">
               <a:rPr lang="en-US" smtClean="0"/>
-              <a:t>8/11/2017</a:t>
+              <a:t>9/17/2017</a:t>
             </a:fld>
             <a:endParaRPr lang="en-US" dirty="0"/>
           </a:p>
@@ -13021,7 +13021,7 @@
           <a:p>
             <a:fld id="{DC7A6930-E356-4864-92C1-40AC7A5201AA}" type="datetime1">
               <a:rPr lang="en-US" smtClean="0"/>
-              <a:t>8/11/2017</a:t>
+              <a:t>9/17/2017</a:t>
             </a:fld>
             <a:endParaRPr lang="en-US" dirty="0"/>
           </a:p>
@@ -13201,7 +13201,7 @@
           <a:p>
             <a:fld id="{45C1EE53-8F27-4821-8161-190499C0D007}" type="datetime1">
               <a:rPr lang="en-US" smtClean="0"/>
-              <a:t>8/11/2017</a:t>
+              <a:t>9/17/2017</a:t>
             </a:fld>
             <a:endParaRPr lang="en-US" dirty="0"/>
           </a:p>
@@ -13446,7 +13446,7 @@
           <a:p>
             <a:fld id="{0D423975-99FA-4807-B1B4-A59DEFED898A}" type="datetime1">
               <a:rPr lang="en-US" smtClean="0"/>
-              <a:t>8/11/2017</a:t>
+              <a:t>9/17/2017</a:t>
             </a:fld>
             <a:endParaRPr lang="en-US" dirty="0"/>
           </a:p>
@@ -13732,7 +13732,7 @@
           <a:p>
             <a:fld id="{90F7752F-4922-4BAA-9C20-D4DAF4ED08B5}" type="datetime1">
               <a:rPr lang="en-US" smtClean="0"/>
-              <a:t>8/11/2017</a:t>
+              <a:t>9/17/2017</a:t>
             </a:fld>
             <a:endParaRPr lang="en-US" dirty="0"/>
           </a:p>
@@ -14152,7 +14152,7 @@
           <a:p>
             <a:fld id="{3536A633-E76F-4E07-A3AE-A7A784889AE2}" type="datetime1">
               <a:rPr lang="en-US" smtClean="0"/>
-              <a:t>8/11/2017</a:t>
+              <a:t>9/17/2017</a:t>
             </a:fld>
             <a:endParaRPr lang="en-US" dirty="0"/>
           </a:p>
@@ -14270,7 +14270,7 @@
           <a:p>
             <a:fld id="{61CB5BDE-D72B-4A3A-925B-2A5C22F639AF}" type="datetime1">
               <a:rPr lang="en-US" smtClean="0"/>
-              <a:t>8/11/2017</a:t>
+              <a:t>9/17/2017</a:t>
             </a:fld>
             <a:endParaRPr lang="en-US" dirty="0"/>
           </a:p>
@@ -14366,7 +14366,7 @@
           <a:p>
             <a:fld id="{A24C7B69-131B-4374-A9CC-0845A85B9B89}" type="datetime1">
               <a:rPr lang="en-US" smtClean="0"/>
-              <a:t>8/11/2017</a:t>
+              <a:t>9/17/2017</a:t>
             </a:fld>
             <a:endParaRPr lang="en-US" dirty="0"/>
           </a:p>
@@ -14642,7 +14642,7 @@
           <a:p>
             <a:fld id="{2F57E60E-10B6-4F85-8F8E-D3A8141030E0}" type="datetime1">
               <a:rPr lang="en-US" smtClean="0"/>
-              <a:t>8/11/2017</a:t>
+              <a:t>9/17/2017</a:t>
             </a:fld>
             <a:endParaRPr lang="en-US" dirty="0"/>
           </a:p>
@@ -14936,7 +14936,7 @@
           <a:p>
             <a:fld id="{62847054-0C3A-4855-B827-AB022CCDB352}" type="datetime1">
               <a:rPr lang="en-US" smtClean="0"/>
-              <a:t>8/11/2017</a:t>
+              <a:t>9/17/2017</a:t>
             </a:fld>
             <a:endParaRPr lang="en-US"/>
           </a:p>
@@ -15192,7 +15192,7 @@
           <a:p>
             <a:fld id="{F33D5BC8-75F3-411B-AA7E-18F2517CF048}" type="datetime1">
               <a:rPr lang="en-US" smtClean="0"/>
-              <a:t>8/11/2017</a:t>
+              <a:t>9/17/2017</a:t>
             </a:fld>
             <a:endParaRPr lang="en-US" dirty="0"/>
           </a:p>
@@ -15361,7 +15361,7 @@
           <a:p>
             <a:fld id="{394448D4-AED6-43DB-A0F8-CD4938D2549C}" type="datetime1">
               <a:rPr lang="en-US" smtClean="0"/>
-              <a:t>8/11/2017</a:t>
+              <a:t>9/17/2017</a:t>
             </a:fld>
             <a:endParaRPr lang="en-US" dirty="0"/>
           </a:p>
@@ -15661,7 +15661,7 @@
           <a:p>
             <a:fld id="{5D1846AD-9252-4647-9435-4C2AC365653A}" type="datetime1">
               <a:rPr lang="en-US" smtClean="0"/>
-              <a:t>8/11/2017</a:t>
+              <a:t>9/17/2017</a:t>
             </a:fld>
             <a:endParaRPr lang="en-US"/>
           </a:p>
@@ -15839,7 +15839,7 @@
           <a:p>
             <a:fld id="{160CE893-3A38-428F-89AB-E97AD9CAA95E}" type="datetime1">
               <a:rPr lang="en-US" smtClean="0"/>
-              <a:t>8/11/2017</a:t>
+              <a:t>9/17/2017</a:t>
             </a:fld>
             <a:endParaRPr lang="en-US" dirty="0"/>
           </a:p>
@@ -16267,7 +16267,7 @@
           <a:p>
             <a:fld id="{787C7470-D2BA-4210-A881-18C149229110}" type="datetime1">
               <a:rPr lang="en-US" smtClean="0"/>
-              <a:t>8/11/2017</a:t>
+              <a:t>9/17/2017</a:t>
             </a:fld>
             <a:endParaRPr lang="en-US"/>
           </a:p>
@@ -16396,7 +16396,7 @@
           <a:p>
             <a:fld id="{8DEC73FD-A5ED-479F-9068-BAD5EB3F7E69}" type="datetime1">
               <a:rPr lang="en-US" smtClean="0"/>
-              <a:t>8/11/2017</a:t>
+              <a:t>9/17/2017</a:t>
             </a:fld>
             <a:endParaRPr lang="en-US"/>
           </a:p>
@@ -16503,7 +16503,7 @@
           <a:p>
             <a:fld id="{EA1BC252-941B-4451-B02D-F879104EB58F}" type="datetime1">
               <a:rPr lang="en-US" smtClean="0"/>
-              <a:t>8/11/2017</a:t>
+              <a:t>9/17/2017</a:t>
             </a:fld>
             <a:endParaRPr lang="en-US"/>
           </a:p>
@@ -16790,7 +16790,7 @@
           <a:p>
             <a:fld id="{43A8641F-9EDF-4983-849A-96C94386CBBC}" type="datetime1">
               <a:rPr lang="en-US" smtClean="0"/>
-              <a:t>8/11/2017</a:t>
+              <a:t>9/17/2017</a:t>
             </a:fld>
             <a:endParaRPr lang="en-US"/>
           </a:p>
@@ -17440,7 +17440,7 @@
                 </a:solidFill>
               </a:rPr>
               <a:pPr/>
-              <a:t>8/11/2017</a:t>
+              <a:t>9/17/2017</a:t>
             </a:fld>
             <a:endParaRPr lang="en-US">
               <a:solidFill>
@@ -17977,7 +17977,7 @@
           <a:p>
             <a:fld id="{02B3F677-983B-48DB-ADFD-63FE6CBC7FB2}" type="datetime1">
               <a:rPr lang="en-US" smtClean="0"/>
-              <a:t>8/11/2017</a:t>
+              <a:t>9/17/2017</a:t>
             </a:fld>
             <a:endParaRPr lang="en-US"/>
           </a:p>
@@ -18501,7 +18501,7 @@
           <a:p>
             <a:fld id="{8684A8BA-DEEC-47D2-87F9-8204232D7DB8}" type="datetime1">
               <a:rPr lang="en-US" smtClean="0"/>
-              <a:t>8/11/2017</a:t>
+              <a:t>9/17/2017</a:t>
             </a:fld>
             <a:endParaRPr lang="en-US" dirty="0"/>
           </a:p>
@@ -23188,7 +23188,15 @@
           <a:p>
             <a:r>
               <a:rPr lang="en-US" sz="1200" dirty="0"/>
-              <a:t>(define-struct list (color time-left))</a:t>
+              <a:t>(</a:t>
+            </a:r>
+            <a:r>
+              <a:rPr lang="en-US" sz="1200"/>
+              <a:t>define-struct light </a:t>
+            </a:r>
+            <a:r>
+              <a:rPr lang="en-US" sz="1200" dirty="0"/>
+              <a:t>(color time-left))</a:t>
             </a:r>
           </a:p>
           <a:p>

--- a/Slides/Lesson 2.3 Examining More than One Value.pptx
+++ b/Slides/Lesson 2.3 Examining More than One Value.pptx
@@ -181,6 +181,10 @@
     </p:ext>
   </p:extLst>
 </p:presentation>
+</file>
+
+<file path=ppt/revisionInfo.xml><?xml version="1.0" encoding="utf-8"?>
+<p1510:revInfo xmlns:a="http://schemas.openxmlformats.org/drawingml/2006/main" xmlns:r="http://schemas.openxmlformats.org/officeDocument/2006/relationships" xmlns:p1510="http://schemas.microsoft.com/office/powerpoint/2015/10/main"/>
 </file>
 
 <file path=ppt/diagrams/colors1.xml><?xml version="1.0" encoding="utf-8"?>
@@ -4128,7 +4132,7 @@
             <a:fld id="{0FAC78B3-EDCE-4187-A1AE-28620314FA32}" type="datetimeFigureOut">
               <a:rPr lang="en-US" smtClean="0"/>
               <a:pPr/>
-              <a:t>9/17/2017</a:t>
+              <a:t>10/6/2017</a:t>
             </a:fld>
             <a:endParaRPr lang="en-US"/>
           </a:p>
@@ -4668,7 +4672,7 @@
           <a:p>
             <a:fld id="{AE36E179-9677-406E-90D9-3402BE92068A}" type="datetime1">
               <a:rPr lang="en-US" smtClean="0"/>
-              <a:t>9/17/2017</a:t>
+              <a:t>10/6/2017</a:t>
             </a:fld>
             <a:endParaRPr lang="en-US"/>
           </a:p>
@@ -4932,7 +4936,7 @@
           <a:p>
             <a:fld id="{9C106CB1-CEAE-4FA9-AC65-2E4B01C62B73}" type="datetime1">
               <a:rPr lang="en-US" smtClean="0"/>
-              <a:t>9/17/2017</a:t>
+              <a:t>10/6/2017</a:t>
             </a:fld>
             <a:endParaRPr lang="en-US"/>
           </a:p>
@@ -5112,7 +5116,7 @@
           <a:p>
             <a:fld id="{2D3DB8E0-41F1-4047-A2BB-3AF23AEFB7A8}" type="datetime1">
               <a:rPr lang="en-US" smtClean="0"/>
-              <a:t>9/17/2017</a:t>
+              <a:t>10/6/2017</a:t>
             </a:fld>
             <a:endParaRPr lang="en-US"/>
           </a:p>
@@ -5302,7 +5306,7 @@
           <a:p>
             <a:fld id="{2EDFADFF-E434-421D-BD26-7C347DAB516F}" type="datetime1">
               <a:rPr lang="en-US" smtClean="0"/>
-              <a:t>9/17/2017</a:t>
+              <a:t>10/6/2017</a:t>
             </a:fld>
             <a:endParaRPr lang="en-US"/>
           </a:p>
@@ -5565,7 +5569,7 @@
                 </a:solidFill>
               </a:rPr>
               <a:pPr/>
-              <a:t>9/17/2017</a:t>
+              <a:t>10/6/2017</a:t>
             </a:fld>
             <a:endParaRPr lang="en-US">
               <a:solidFill>
@@ -5771,7 +5775,7 @@
                 </a:solidFill>
               </a:rPr>
               <a:pPr/>
-              <a:t>9/17/2017</a:t>
+              <a:t>10/6/2017</a:t>
             </a:fld>
             <a:endParaRPr lang="en-US">
               <a:solidFill>
@@ -5976,7 +5980,7 @@
                 </a:solidFill>
               </a:rPr>
               <a:pPr/>
-              <a:t>9/17/2017</a:t>
+              <a:t>10/6/2017</a:t>
             </a:fld>
             <a:endParaRPr lang="en-US">
               <a:solidFill>
@@ -6273,7 +6277,7 @@
                 </a:solidFill>
               </a:rPr>
               <a:pPr/>
-              <a:t>9/17/2017</a:t>
+              <a:t>10/6/2017</a:t>
             </a:fld>
             <a:endParaRPr lang="en-US">
               <a:solidFill>
@@ -6481,7 +6485,7 @@
                 </a:solidFill>
               </a:rPr>
               <a:pPr/>
-              <a:t>9/17/2017</a:t>
+              <a:t>10/6/2017</a:t>
             </a:fld>
             <a:endParaRPr lang="en-US">
               <a:solidFill>
@@ -6807,7 +6811,7 @@
                 </a:solidFill>
               </a:rPr>
               <a:pPr/>
-              <a:t>9/17/2017</a:t>
+              <a:t>10/6/2017</a:t>
             </a:fld>
             <a:endParaRPr lang="en-US">
               <a:solidFill>
@@ -7124,7 +7128,7 @@
                 </a:solidFill>
               </a:rPr>
               <a:pPr/>
-              <a:t>9/17/2017</a:t>
+              <a:t>10/6/2017</a:t>
             </a:fld>
             <a:endParaRPr lang="en-US">
               <a:solidFill>
@@ -7337,7 +7341,7 @@
           <a:p>
             <a:fld id="{3B722677-7067-4D71-BF6A-8259C5E94357}" type="datetime1">
               <a:rPr lang="en-US" smtClean="0"/>
-              <a:t>9/17/2017</a:t>
+              <a:t>10/6/2017</a:t>
             </a:fld>
             <a:endParaRPr lang="en-US"/>
           </a:p>
@@ -7767,7 +7771,7 @@
                 </a:solidFill>
               </a:rPr>
               <a:pPr/>
-              <a:t>9/17/2017</a:t>
+              <a:t>10/6/2017</a:t>
             </a:fld>
             <a:endParaRPr lang="en-US">
               <a:solidFill>
@@ -7916,7 +7920,7 @@
                 </a:solidFill>
               </a:rPr>
               <a:pPr/>
-              <a:t>9/17/2017</a:t>
+              <a:t>10/6/2017</a:t>
             </a:fld>
             <a:endParaRPr lang="en-US">
               <a:solidFill>
@@ -8043,7 +8047,7 @@
                 </a:solidFill>
               </a:rPr>
               <a:pPr/>
-              <a:t>9/17/2017</a:t>
+              <a:t>10/6/2017</a:t>
             </a:fld>
             <a:endParaRPr lang="en-US">
               <a:solidFill>
@@ -8350,7 +8354,7 @@
                 </a:solidFill>
               </a:rPr>
               <a:pPr/>
-              <a:t>9/17/2017</a:t>
+              <a:t>10/6/2017</a:t>
             </a:fld>
             <a:endParaRPr lang="en-US">
               <a:solidFill>
@@ -8634,7 +8638,7 @@
                 </a:solidFill>
               </a:rPr>
               <a:pPr/>
-              <a:t>9/17/2017</a:t>
+              <a:t>10/6/2017</a:t>
             </a:fld>
             <a:endParaRPr lang="en-US">
               <a:solidFill>
@@ -8834,7 +8838,7 @@
                 </a:solidFill>
               </a:rPr>
               <a:pPr/>
-              <a:t>9/17/2017</a:t>
+              <a:t>10/6/2017</a:t>
             </a:fld>
             <a:endParaRPr lang="en-US">
               <a:solidFill>
@@ -9044,7 +9048,7 @@
                 </a:solidFill>
               </a:rPr>
               <a:pPr/>
-              <a:t>9/17/2017</a:t>
+              <a:t>10/6/2017</a:t>
             </a:fld>
             <a:endParaRPr lang="en-US">
               <a:solidFill>
@@ -9321,7 +9325,7 @@
           <a:p>
             <a:fld id="{2F1F79F5-7BEC-496A-AFC7-876E38F64D71}" type="datetime1">
               <a:rPr lang="en-US" smtClean="0"/>
-              <a:t>9/17/2017</a:t>
+              <a:t>10/6/2017</a:t>
             </a:fld>
             <a:endParaRPr lang="en-US"/>
           </a:p>
@@ -9495,7 +9499,7 @@
           <a:p>
             <a:fld id="{E22ED4DA-448D-4BB1-B935-CC112220207B}" type="datetime1">
               <a:rPr lang="en-US" smtClean="0"/>
-              <a:t>9/17/2017</a:t>
+              <a:t>10/6/2017</a:t>
             </a:fld>
             <a:endParaRPr lang="en-US"/>
           </a:p>
@@ -9668,7 +9672,7 @@
           <a:p>
             <a:fld id="{E22ED4DA-448D-4BB1-B935-CC112220207B}" type="datetime1">
               <a:rPr lang="en-US" smtClean="0"/>
-              <a:t>9/17/2017</a:t>
+              <a:t>10/6/2017</a:t>
             </a:fld>
             <a:endParaRPr lang="en-US"/>
           </a:p>
@@ -10084,7 +10088,7 @@
           <a:p>
             <a:fld id="{FF5D65A6-AB94-4435-B0B7-3743215FA46C}" type="datetime1">
               <a:rPr lang="en-US" smtClean="0"/>
-              <a:t>9/17/2017</a:t>
+              <a:t>10/6/2017</a:t>
             </a:fld>
             <a:endParaRPr lang="en-US"/>
           </a:p>
@@ -10260,7 +10264,7 @@
           <a:p>
             <a:fld id="{FF5D65A6-AB94-4435-B0B7-3743215FA46C}" type="datetime1">
               <a:rPr lang="en-US" smtClean="0"/>
-              <a:t>9/17/2017</a:t>
+              <a:t>10/6/2017</a:t>
             </a:fld>
             <a:endParaRPr lang="en-US"/>
           </a:p>
@@ -10554,7 +10558,7 @@
           <a:p>
             <a:fld id="{7C193DC4-6EF0-48C9-B29C-616106A645E1}" type="datetime1">
               <a:rPr lang="en-US" smtClean="0"/>
-              <a:t>9/17/2017</a:t>
+              <a:t>10/6/2017</a:t>
             </a:fld>
             <a:endParaRPr lang="en-US"/>
           </a:p>
@@ -10839,7 +10843,7 @@
           <a:p>
             <a:fld id="{5D1846AD-9252-4647-9435-4C2AC365653A}" type="datetime1">
               <a:rPr lang="en-US" smtClean="0"/>
-              <a:t>9/17/2017</a:t>
+              <a:t>10/6/2017</a:t>
             </a:fld>
             <a:endParaRPr lang="en-US"/>
           </a:p>
@@ -11258,7 +11262,7 @@
           <a:p>
             <a:fld id="{CE56DC10-3561-4063-A6AF-C1CC7A41040A}" type="datetime1">
               <a:rPr lang="en-US" smtClean="0"/>
-              <a:t>9/17/2017</a:t>
+              <a:t>10/6/2017</a:t>
             </a:fld>
             <a:endParaRPr lang="en-US"/>
           </a:p>
@@ -11375,7 +11379,7 @@
           <a:p>
             <a:fld id="{2F7B77F5-1464-4F6B-92A8-64FC8A508293}" type="datetime1">
               <a:rPr lang="en-US" smtClean="0"/>
-              <a:t>9/17/2017</a:t>
+              <a:t>10/6/2017</a:t>
             </a:fld>
             <a:endParaRPr lang="en-US"/>
           </a:p>
@@ -11470,7 +11474,7 @@
           <a:p>
             <a:fld id="{0A05703A-7669-4FEA-9056-25299B4D29D4}" type="datetime1">
               <a:rPr lang="en-US" smtClean="0"/>
-              <a:t>9/17/2017</a:t>
+              <a:t>10/6/2017</a:t>
             </a:fld>
             <a:endParaRPr lang="en-US"/>
           </a:p>
@@ -11745,7 +11749,7 @@
           <a:p>
             <a:fld id="{6E5077B5-BB57-49DB-88CA-226A139E5C01}" type="datetime1">
               <a:rPr lang="en-US" smtClean="0"/>
-              <a:t>9/17/2017</a:t>
+              <a:t>10/6/2017</a:t>
             </a:fld>
             <a:endParaRPr lang="en-US"/>
           </a:p>
@@ -11997,7 +12001,7 @@
           <a:p>
             <a:fld id="{C48D9447-CBD6-49A1-89FD-8512A8CF8999}" type="datetime1">
               <a:rPr lang="en-US" smtClean="0"/>
-              <a:t>9/17/2017</a:t>
+              <a:t>10/6/2017</a:t>
             </a:fld>
             <a:endParaRPr lang="en-US"/>
           </a:p>
@@ -12165,7 +12169,7 @@
           <a:p>
             <a:fld id="{A3639A2A-823D-48B7-9ACE-7FAF42870BA9}" type="datetime1">
               <a:rPr lang="en-US" smtClean="0"/>
-              <a:t>9/17/2017</a:t>
+              <a:t>10/6/2017</a:t>
             </a:fld>
             <a:endParaRPr lang="en-US"/>
           </a:p>
@@ -12418,7 +12422,7 @@
           <a:p>
             <a:fld id="{0C6FD516-C588-49F9-8A09-31EF43101ACE}" type="datetime1">
               <a:rPr lang="en-US" smtClean="0"/>
-              <a:t>9/17/2017</a:t>
+              <a:t>10/6/2017</a:t>
             </a:fld>
             <a:endParaRPr lang="en-US"/>
           </a:p>
@@ -12600,7 +12604,7 @@
           <a:p>
             <a:fld id="{ED1B6996-82E9-463C-972C-7B56056E426C}" type="datetime1">
               <a:rPr lang="en-US" smtClean="0"/>
-              <a:t>9/17/2017</a:t>
+              <a:t>10/6/2017</a:t>
             </a:fld>
             <a:endParaRPr lang="en-US"/>
           </a:p>
@@ -12840,7 +12844,7 @@
           <a:p>
             <a:fld id="{CA8B1E08-976E-451D-97C5-3D69BA983FFE}" type="datetime1">
               <a:rPr lang="en-US" smtClean="0"/>
-              <a:t>9/17/2017</a:t>
+              <a:t>10/6/2017</a:t>
             </a:fld>
             <a:endParaRPr lang="en-US" dirty="0"/>
           </a:p>
@@ -13021,7 +13025,7 @@
           <a:p>
             <a:fld id="{DC7A6930-E356-4864-92C1-40AC7A5201AA}" type="datetime1">
               <a:rPr lang="en-US" smtClean="0"/>
-              <a:t>9/17/2017</a:t>
+              <a:t>10/6/2017</a:t>
             </a:fld>
             <a:endParaRPr lang="en-US" dirty="0"/>
           </a:p>
@@ -13201,7 +13205,7 @@
           <a:p>
             <a:fld id="{45C1EE53-8F27-4821-8161-190499C0D007}" type="datetime1">
               <a:rPr lang="en-US" smtClean="0"/>
-              <a:t>9/17/2017</a:t>
+              <a:t>10/6/2017</a:t>
             </a:fld>
             <a:endParaRPr lang="en-US" dirty="0"/>
           </a:p>
@@ -13446,7 +13450,7 @@
           <a:p>
             <a:fld id="{0D423975-99FA-4807-B1B4-A59DEFED898A}" type="datetime1">
               <a:rPr lang="en-US" smtClean="0"/>
-              <a:t>9/17/2017</a:t>
+              <a:t>10/6/2017</a:t>
             </a:fld>
             <a:endParaRPr lang="en-US" dirty="0"/>
           </a:p>
@@ -13732,7 +13736,7 @@
           <a:p>
             <a:fld id="{90F7752F-4922-4BAA-9C20-D4DAF4ED08B5}" type="datetime1">
               <a:rPr lang="en-US" smtClean="0"/>
-              <a:t>9/17/2017</a:t>
+              <a:t>10/6/2017</a:t>
             </a:fld>
             <a:endParaRPr lang="en-US" dirty="0"/>
           </a:p>
@@ -14152,7 +14156,7 @@
           <a:p>
             <a:fld id="{3536A633-E76F-4E07-A3AE-A7A784889AE2}" type="datetime1">
               <a:rPr lang="en-US" smtClean="0"/>
-              <a:t>9/17/2017</a:t>
+              <a:t>10/6/2017</a:t>
             </a:fld>
             <a:endParaRPr lang="en-US" dirty="0"/>
           </a:p>
@@ -14270,7 +14274,7 @@
           <a:p>
             <a:fld id="{61CB5BDE-D72B-4A3A-925B-2A5C22F639AF}" type="datetime1">
               <a:rPr lang="en-US" smtClean="0"/>
-              <a:t>9/17/2017</a:t>
+              <a:t>10/6/2017</a:t>
             </a:fld>
             <a:endParaRPr lang="en-US" dirty="0"/>
           </a:p>
@@ -14366,7 +14370,7 @@
           <a:p>
             <a:fld id="{A24C7B69-131B-4374-A9CC-0845A85B9B89}" type="datetime1">
               <a:rPr lang="en-US" smtClean="0"/>
-              <a:t>9/17/2017</a:t>
+              <a:t>10/6/2017</a:t>
             </a:fld>
             <a:endParaRPr lang="en-US" dirty="0"/>
           </a:p>
@@ -14642,7 +14646,7 @@
           <a:p>
             <a:fld id="{2F57E60E-10B6-4F85-8F8E-D3A8141030E0}" type="datetime1">
               <a:rPr lang="en-US" smtClean="0"/>
-              <a:t>9/17/2017</a:t>
+              <a:t>10/6/2017</a:t>
             </a:fld>
             <a:endParaRPr lang="en-US" dirty="0"/>
           </a:p>
@@ -14936,7 +14940,7 @@
           <a:p>
             <a:fld id="{62847054-0C3A-4855-B827-AB022CCDB352}" type="datetime1">
               <a:rPr lang="en-US" smtClean="0"/>
-              <a:t>9/17/2017</a:t>
+              <a:t>10/6/2017</a:t>
             </a:fld>
             <a:endParaRPr lang="en-US"/>
           </a:p>
@@ -15192,7 +15196,7 @@
           <a:p>
             <a:fld id="{F33D5BC8-75F3-411B-AA7E-18F2517CF048}" type="datetime1">
               <a:rPr lang="en-US" smtClean="0"/>
-              <a:t>9/17/2017</a:t>
+              <a:t>10/6/2017</a:t>
             </a:fld>
             <a:endParaRPr lang="en-US" dirty="0"/>
           </a:p>
@@ -15361,7 +15365,7 @@
           <a:p>
             <a:fld id="{394448D4-AED6-43DB-A0F8-CD4938D2549C}" type="datetime1">
               <a:rPr lang="en-US" smtClean="0"/>
-              <a:t>9/17/2017</a:t>
+              <a:t>10/6/2017</a:t>
             </a:fld>
             <a:endParaRPr lang="en-US" dirty="0"/>
           </a:p>
@@ -15661,7 +15665,7 @@
           <a:p>
             <a:fld id="{5D1846AD-9252-4647-9435-4C2AC365653A}" type="datetime1">
               <a:rPr lang="en-US" smtClean="0"/>
-              <a:t>9/17/2017</a:t>
+              <a:t>10/6/2017</a:t>
             </a:fld>
             <a:endParaRPr lang="en-US"/>
           </a:p>
@@ -15839,7 +15843,7 @@
           <a:p>
             <a:fld id="{160CE893-3A38-428F-89AB-E97AD9CAA95E}" type="datetime1">
               <a:rPr lang="en-US" smtClean="0"/>
-              <a:t>9/17/2017</a:t>
+              <a:t>10/6/2017</a:t>
             </a:fld>
             <a:endParaRPr lang="en-US" dirty="0"/>
           </a:p>
@@ -16267,7 +16271,7 @@
           <a:p>
             <a:fld id="{787C7470-D2BA-4210-A881-18C149229110}" type="datetime1">
               <a:rPr lang="en-US" smtClean="0"/>
-              <a:t>9/17/2017</a:t>
+              <a:t>10/6/2017</a:t>
             </a:fld>
             <a:endParaRPr lang="en-US"/>
           </a:p>
@@ -16396,7 +16400,7 @@
           <a:p>
             <a:fld id="{8DEC73FD-A5ED-479F-9068-BAD5EB3F7E69}" type="datetime1">
               <a:rPr lang="en-US" smtClean="0"/>
-              <a:t>9/17/2017</a:t>
+              <a:t>10/6/2017</a:t>
             </a:fld>
             <a:endParaRPr lang="en-US"/>
           </a:p>
@@ -16503,7 +16507,7 @@
           <a:p>
             <a:fld id="{EA1BC252-941B-4451-B02D-F879104EB58F}" type="datetime1">
               <a:rPr lang="en-US" smtClean="0"/>
-              <a:t>9/17/2017</a:t>
+              <a:t>10/6/2017</a:t>
             </a:fld>
             <a:endParaRPr lang="en-US"/>
           </a:p>
@@ -16790,7 +16794,7 @@
           <a:p>
             <a:fld id="{43A8641F-9EDF-4983-849A-96C94386CBBC}" type="datetime1">
               <a:rPr lang="en-US" smtClean="0"/>
-              <a:t>9/17/2017</a:t>
+              <a:t>10/6/2017</a:t>
             </a:fld>
             <a:endParaRPr lang="en-US"/>
           </a:p>
@@ -17440,7 +17444,7 @@
                 </a:solidFill>
               </a:rPr>
               <a:pPr/>
-              <a:t>9/17/2017</a:t>
+              <a:t>10/6/2017</a:t>
             </a:fld>
             <a:endParaRPr lang="en-US">
               <a:solidFill>
@@ -17977,7 +17981,7 @@
           <a:p>
             <a:fld id="{02B3F677-983B-48DB-ADFD-63FE6CBC7FB2}" type="datetime1">
               <a:rPr lang="en-US" smtClean="0"/>
-              <a:t>9/17/2017</a:t>
+              <a:t>10/6/2017</a:t>
             </a:fld>
             <a:endParaRPr lang="en-US"/>
           </a:p>
@@ -18501,7 +18505,7 @@
           <a:p>
             <a:fld id="{8684A8BA-DEEC-47D2-87F9-8204232D7DB8}" type="datetime1">
               <a:rPr lang="en-US" smtClean="0"/>
-              <a:t>9/17/2017</a:t>
+              <a:t>10/6/2017</a:t>
             </a:fld>
             <a:endParaRPr lang="en-US" dirty="0"/>
           </a:p>
@@ -19185,7 +19189,15 @@
           <a:p>
             <a:r>
               <a:rPr lang="en-US" sz="1400" dirty="0"/>
-              <a:t>;;   (ball x y radius selected?)</a:t>
+              <a:t>;;   </a:t>
+            </a:r>
+            <a:r>
+              <a:rPr lang="en-US" sz="1400"/>
+              <a:t>(make-ball </a:t>
+            </a:r>
+            <a:r>
+              <a:rPr lang="en-US" sz="1400" dirty="0"/>
+              <a:t>x y radius selected?)</a:t>
             </a:r>
           </a:p>
           <a:p>
